--- a/허종원/Dispatcher Scenario.pptx
+++ b/허종원/Dispatcher Scenario.pptx
@@ -231,7 +231,7 @@
             <a:fld id="{B38DDC64-668F-D042-B324-08EA36C7985F}" type="datetimeFigureOut">
               <a:rPr kumimoji="1" lang="ko-KR" altLang="en-US" smtClean="0"/>
               <a:pPr/>
-              <a:t>2024. 8. 1.</a:t>
+              <a:t>2024. 8. 2.</a:t>
             </a:fld>
             <a:endParaRPr kumimoji="1" lang="ko-KR" altLang="en-US"/>
           </a:p>
@@ -866,7 +866,7 @@
           <a:p>
             <a:fld id="{4C02D1D0-8AF1-3E45-93D9-439A94A54636}" type="datetime1">
               <a:rPr kumimoji="1" lang="ko-KR" altLang="en-US" smtClean="0"/>
-              <a:t>2024. 8. 1.</a:t>
+              <a:t>2024. 8. 2.</a:t>
             </a:fld>
             <a:endParaRPr kumimoji="1" lang="ko-KR" altLang="en-US"/>
           </a:p>
@@ -1030,7 +1030,7 @@
           <a:p>
             <a:fld id="{720AD815-E37C-AE42-93B2-164338F0BC3F}" type="datetime1">
               <a:rPr kumimoji="1" lang="ko-KR" altLang="en-US" smtClean="0"/>
-              <a:t>2024. 8. 1.</a:t>
+              <a:t>2024. 8. 2.</a:t>
             </a:fld>
             <a:endParaRPr kumimoji="1" lang="ko-KR" altLang="en-US"/>
           </a:p>
@@ -1474,7 +1474,7 @@
           <a:p>
             <a:fld id="{88B8D1EA-1598-7043-B817-80BCE13AFAD2}" type="datetime1">
               <a:rPr kumimoji="1" lang="ko-KR" altLang="en-US" smtClean="0"/>
-              <a:t>2024. 8. 1.</a:t>
+              <a:t>2024. 8. 2.</a:t>
             </a:fld>
             <a:endParaRPr kumimoji="1" lang="ko-KR" altLang="en-US"/>
           </a:p>
@@ -1660,7 +1660,7 @@
           <a:p>
             <a:fld id="{786698EA-A4F8-7C46-A602-CDCF30245E83}" type="datetime1">
               <a:rPr kumimoji="1" lang="ko-KR" altLang="en-US" smtClean="0"/>
-              <a:t>2024. 8. 1.</a:t>
+              <a:t>2024. 8. 2.</a:t>
             </a:fld>
             <a:endParaRPr kumimoji="1" lang="ko-KR" altLang="en-US"/>
           </a:p>
@@ -1846,7 +1846,7 @@
           <a:p>
             <a:fld id="{DEE90C36-D53C-6E45-965A-C6C77E76656E}" type="datetime1">
               <a:rPr kumimoji="1" lang="ko-KR" altLang="en-US" smtClean="0"/>
-              <a:t>2024. 8. 1.</a:t>
+              <a:t>2024. 8. 2.</a:t>
             </a:fld>
             <a:endParaRPr kumimoji="1" lang="ko-KR" altLang="en-US"/>
           </a:p>
@@ -2433,10 +2433,10 @@
       </p:grpSp>
       <p:pic>
         <p:nvPicPr>
-          <p:cNvPr id="14" name="Picture 2" descr="http://www.ubisam.com/images/logo.png">
-            <a:extLst>
-              <a:ext uri="{FF2B5EF4-FFF2-40B4-BE49-F238E27FC236}">
-                <a16:creationId xmlns:a16="http://schemas.microsoft.com/office/drawing/2014/main" id="{B34E2B9F-8D16-1D0F-1BFC-488EBED1FDB1}"/>
+          <p:cNvPr id="4" name="Picture 2" descr="http://www.ubisam.com/images/logo.png">
+            <a:extLst>
+              <a:ext uri="{FF2B5EF4-FFF2-40B4-BE49-F238E27FC236}">
+                <a16:creationId xmlns:a16="http://schemas.microsoft.com/office/drawing/2014/main" id="{6AF0CBBC-6A5A-1EAB-7EDF-33AA612A85CD}"/>
               </a:ext>
             </a:extLst>
           </p:cNvPr>
@@ -2446,7 +2446,7 @@
           <p:nvPr userDrawn="1"/>
         </p:nvPicPr>
         <p:blipFill>
-          <a:blip/>
+          <a:blip r:embed="rId10"/>
           <a:srcRect/>
           <a:stretch>
             <a:fillRect/>
@@ -4390,36 +4390,6 @@
           </a:p>
         </p:txBody>
       </p:sp>
-      <p:pic>
-        <p:nvPicPr>
-          <p:cNvPr id="55" name="그림 54">
-            <a:extLst>
-              <a:ext uri="{FF2B5EF4-FFF2-40B4-BE49-F238E27FC236}">
-                <a16:creationId xmlns:a16="http://schemas.microsoft.com/office/drawing/2014/main" id="{09BDBDE8-8F0B-3B62-A5F2-2C99EBF72011}"/>
-              </a:ext>
-            </a:extLst>
-          </p:cNvPr>
-          <p:cNvPicPr>
-            <a:picLocks noChangeAspect="1"/>
-          </p:cNvPicPr>
-          <p:nvPr/>
-        </p:nvPicPr>
-        <p:blipFill>
-          <a:blip cstate="print"/>
-          <a:stretch>
-            <a:fillRect/>
-          </a:stretch>
-        </p:blipFill>
-        <p:spPr>
-          <a:xfrm>
-            <a:off x="7968450" y="4755738"/>
-            <a:ext cx="1023522" cy="1639896"/>
-          </a:xfrm>
-          <a:prstGeom prst="rect">
-            <a:avLst/>
-          </a:prstGeom>
-        </p:spPr>
-      </p:pic>
       <p:cxnSp>
         <p:nvCxnSpPr>
           <p:cNvPr id="57" name="직선 화살표 연결선 56">
@@ -4430,15 +4400,16 @@
             </a:extLst>
           </p:cNvPr>
           <p:cNvCxnSpPr>
+            <a:cxnSpLocks/>
             <a:stCxn id="54" idx="2"/>
-            <a:endCxn id="55" idx="0"/>
+            <a:endCxn id="16" idx="0"/>
           </p:cNvCxnSpPr>
           <p:nvPr/>
         </p:nvCxnSpPr>
         <p:spPr>
-          <a:xfrm flipH="1">
-            <a:off x="8480211" y="2744317"/>
-            <a:ext cx="1" cy="2011421"/>
+          <a:xfrm>
+            <a:off x="8480212" y="2744317"/>
+            <a:ext cx="0" cy="2029246"/>
           </a:xfrm>
           <a:prstGeom prst="straightConnector1">
             <a:avLst/>
@@ -4745,6 +4716,36 @@
           </a:p>
         </p:txBody>
       </p:sp>
+      <p:pic>
+        <p:nvPicPr>
+          <p:cNvPr id="16" name="그림 15">
+            <a:extLst>
+              <a:ext uri="{FF2B5EF4-FFF2-40B4-BE49-F238E27FC236}">
+                <a16:creationId xmlns:a16="http://schemas.microsoft.com/office/drawing/2014/main" id="{E9CF7FB3-3313-D920-83F4-7BB0B3338DEC}"/>
+              </a:ext>
+            </a:extLst>
+          </p:cNvPr>
+          <p:cNvPicPr>
+            <a:picLocks noChangeAspect="1"/>
+          </p:cNvPicPr>
+          <p:nvPr/>
+        </p:nvPicPr>
+        <p:blipFill>
+          <a:blip r:embed="rId2" cstate="print"/>
+          <a:stretch>
+            <a:fillRect/>
+          </a:stretch>
+        </p:blipFill>
+        <p:spPr>
+          <a:xfrm>
+            <a:off x="8098451" y="4773563"/>
+            <a:ext cx="763521" cy="1223320"/>
+          </a:xfrm>
+          <a:prstGeom prst="rect">
+            <a:avLst/>
+          </a:prstGeom>
+        </p:spPr>
+      </p:pic>
     </p:spTree>
     <p:extLst>
       <p:ext uri="{BB962C8B-B14F-4D97-AF65-F5344CB8AC3E}">
@@ -4808,36 +4809,6 @@
           </a:p>
         </p:txBody>
       </p:sp>
-      <p:pic>
-        <p:nvPicPr>
-          <p:cNvPr id="3" name="그림 2">
-            <a:extLst>
-              <a:ext uri="{FF2B5EF4-FFF2-40B4-BE49-F238E27FC236}">
-                <a16:creationId xmlns:a16="http://schemas.microsoft.com/office/drawing/2014/main" id="{78245034-EE28-E352-3417-334C83EF5FE4}"/>
-              </a:ext>
-            </a:extLst>
-          </p:cNvPr>
-          <p:cNvPicPr>
-            <a:picLocks noChangeAspect="1"/>
-          </p:cNvPicPr>
-          <p:nvPr/>
-        </p:nvPicPr>
-        <p:blipFill>
-          <a:blip cstate="print"/>
-          <a:stretch>
-            <a:fillRect/>
-          </a:stretch>
-        </p:blipFill>
-        <p:spPr>
-          <a:xfrm>
-            <a:off x="5054975" y="2765208"/>
-            <a:ext cx="943054" cy="1510969"/>
-          </a:xfrm>
-          <a:prstGeom prst="rect">
-            <a:avLst/>
-          </a:prstGeom>
-        </p:spPr>
-      </p:pic>
       <p:sp>
         <p:nvSpPr>
           <p:cNvPr id="4" name="TextBox 3">
@@ -5800,6 +5771,36 @@
           </a:p>
         </p:txBody>
       </p:sp>
+      <p:pic>
+        <p:nvPicPr>
+          <p:cNvPr id="17" name="그림 16">
+            <a:extLst>
+              <a:ext uri="{FF2B5EF4-FFF2-40B4-BE49-F238E27FC236}">
+                <a16:creationId xmlns:a16="http://schemas.microsoft.com/office/drawing/2014/main" id="{29D54492-F896-CFE0-FEEA-C16658077F6F}"/>
+              </a:ext>
+            </a:extLst>
+          </p:cNvPr>
+          <p:cNvPicPr>
+            <a:picLocks noChangeAspect="1"/>
+          </p:cNvPicPr>
+          <p:nvPr/>
+        </p:nvPicPr>
+        <p:blipFill>
+          <a:blip r:embed="rId2" cstate="print"/>
+          <a:stretch>
+            <a:fillRect/>
+          </a:stretch>
+        </p:blipFill>
+        <p:spPr>
+          <a:xfrm>
+            <a:off x="5314977" y="2961751"/>
+            <a:ext cx="763521" cy="1223320"/>
+          </a:xfrm>
+          <a:prstGeom prst="rect">
+            <a:avLst/>
+          </a:prstGeom>
+        </p:spPr>
+      </p:pic>
     </p:spTree>
     <p:extLst>
       <p:ext uri="{BB962C8B-B14F-4D97-AF65-F5344CB8AC3E}">
@@ -6036,7 +6037,13 @@
               <a:buAutoNum type="arabicPeriod"/>
             </a:pPr>
             <a:r>
-              <a:rPr kumimoji="1" lang="en-US" altLang="ko-KR" dirty="0"/>
+              <a:rPr kumimoji="1" lang="en-US" altLang="ko-KR" i="1" dirty="0">
+                <a:solidFill>
+                  <a:schemeClr val="bg1">
+                    <a:lumMod val="50000"/>
+                  </a:schemeClr>
+                </a:solidFill>
+              </a:rPr>
               <a:t>Send Map to Stocker</a:t>
             </a:r>
             <a:br>
@@ -6309,14 +6316,32 @@
               <a:buAutoNum type="arabicPeriod"/>
             </a:pPr>
             <a:r>
-              <a:rPr kumimoji="1" lang="en-US" altLang="ko-KR" dirty="0"/>
+              <a:rPr kumimoji="1" lang="en-US" altLang="ko-KR" i="1" dirty="0">
+                <a:solidFill>
+                  <a:schemeClr val="bg1">
+                    <a:lumMod val="50000"/>
+                  </a:schemeClr>
+                </a:solidFill>
+              </a:rPr>
               <a:t>Send Map to </a:t>
             </a:r>
             <a:r>
-              <a:rPr kumimoji="1" lang="ko-KR" altLang="en-US" dirty="0"/>
+              <a:rPr kumimoji="1" lang="ko-KR" altLang="en-US" i="1" dirty="0">
+                <a:solidFill>
+                  <a:schemeClr val="bg1">
+                    <a:lumMod val="50000"/>
+                  </a:schemeClr>
+                </a:solidFill>
+              </a:rPr>
               <a:t>분석기</a:t>
             </a:r>
-            <a:endParaRPr kumimoji="1" lang="en-US" altLang="ko-KR" dirty="0"/>
+            <a:endParaRPr kumimoji="1" lang="en-US" altLang="ko-KR" i="1" dirty="0">
+              <a:solidFill>
+                <a:schemeClr val="bg1">
+                  <a:lumMod val="50000"/>
+                </a:schemeClr>
+              </a:solidFill>
+            </a:endParaRPr>
           </a:p>
         </p:txBody>
       </p:sp>
@@ -6493,13 +6518,31 @@
               <a:buAutoNum type="arabicPeriod"/>
             </a:pPr>
             <a:r>
-              <a:rPr kumimoji="1" lang="en-US" altLang="ko-KR" dirty="0"/>
+              <a:rPr kumimoji="1" lang="en-US" altLang="ko-KR" i="1" dirty="0">
+                <a:solidFill>
+                  <a:schemeClr val="bg1">
+                    <a:lumMod val="50000"/>
+                  </a:schemeClr>
+                </a:solidFill>
+              </a:rPr>
               <a:t>Send Map to Stocker</a:t>
             </a:r>
             <a:br>
-              <a:rPr kumimoji="1" lang="en-US" altLang="ko-KR" dirty="0"/>
+              <a:rPr kumimoji="1" lang="en-US" altLang="ko-KR" i="1" dirty="0">
+                <a:solidFill>
+                  <a:schemeClr val="bg1">
+                    <a:lumMod val="50000"/>
+                  </a:schemeClr>
+                </a:solidFill>
+              </a:rPr>
             </a:br>
-            <a:endParaRPr kumimoji="1" lang="en-US" altLang="ko-KR" dirty="0"/>
+            <a:endParaRPr kumimoji="1" lang="en-US" altLang="ko-KR" i="1" dirty="0">
+              <a:solidFill>
+                <a:schemeClr val="bg1">
+                  <a:lumMod val="50000"/>
+                </a:schemeClr>
+              </a:solidFill>
+            </a:endParaRPr>
           </a:p>
           <a:p>
             <a:pPr marL="800100" lvl="1" indent="-342900">
@@ -6634,6 +6677,262 @@
               <a:t>)</a:t>
             </a:r>
             <a:endParaRPr kumimoji="1" lang="ko-KR" altLang="en-US" b="1" i="1" dirty="0"/>
+          </a:p>
+        </p:txBody>
+      </p:sp>
+      <p:sp>
+        <p:nvSpPr>
+          <p:cNvPr id="3" name="직사각형 2">
+            <a:extLst>
+              <a:ext uri="{FF2B5EF4-FFF2-40B4-BE49-F238E27FC236}">
+                <a16:creationId xmlns:a16="http://schemas.microsoft.com/office/drawing/2014/main" id="{3DA2A3A2-A249-D3BF-60EE-AFBCE14C9035}"/>
+              </a:ext>
+            </a:extLst>
+          </p:cNvPr>
+          <p:cNvSpPr/>
+          <p:nvPr/>
+        </p:nvSpPr>
+        <p:spPr>
+          <a:xfrm>
+            <a:off x="827314" y="1621969"/>
+            <a:ext cx="4114800" cy="1709059"/>
+          </a:xfrm>
+          <a:prstGeom prst="rect">
+            <a:avLst/>
+          </a:prstGeom>
+          <a:noFill/>
+          <a:ln>
+            <a:solidFill>
+              <a:srgbClr val="FF0000"/>
+            </a:solidFill>
+          </a:ln>
+        </p:spPr>
+        <p:style>
+          <a:lnRef idx="2">
+            <a:schemeClr val="accent1">
+              <a:shade val="15000"/>
+            </a:schemeClr>
+          </a:lnRef>
+          <a:fillRef idx="1">
+            <a:schemeClr val="accent1"/>
+          </a:fillRef>
+          <a:effectRef idx="0">
+            <a:schemeClr val="accent1"/>
+          </a:effectRef>
+          <a:fontRef idx="minor">
+            <a:schemeClr val="lt1"/>
+          </a:fontRef>
+        </p:style>
+        <p:txBody>
+          <a:bodyPr vert="vert" wrap="none" rtlCol="0" anchor="t"/>
+          <a:lstStyle/>
+          <a:p>
+            <a:pPr algn="ctr"/>
+            <a:r>
+              <a:rPr kumimoji="1" lang="en-US" altLang="ko-KR" dirty="0">
+                <a:solidFill>
+                  <a:srgbClr val="FF0000"/>
+                </a:solidFill>
+              </a:rPr>
+              <a:t>Get</a:t>
+            </a:r>
+            <a:endParaRPr kumimoji="1" lang="ko-KR" altLang="en-US" dirty="0">
+              <a:solidFill>
+                <a:srgbClr val="FF0000"/>
+              </a:solidFill>
+            </a:endParaRPr>
+          </a:p>
+        </p:txBody>
+      </p:sp>
+      <p:sp>
+        <p:nvSpPr>
+          <p:cNvPr id="5" name="직사각형 4">
+            <a:extLst>
+              <a:ext uri="{FF2B5EF4-FFF2-40B4-BE49-F238E27FC236}">
+                <a16:creationId xmlns:a16="http://schemas.microsoft.com/office/drawing/2014/main" id="{DFDE1DD4-E174-8EE0-5EBE-F9207F333622}"/>
+              </a:ext>
+            </a:extLst>
+          </p:cNvPr>
+          <p:cNvSpPr/>
+          <p:nvPr/>
+        </p:nvSpPr>
+        <p:spPr>
+          <a:xfrm>
+            <a:off x="5279571" y="1621971"/>
+            <a:ext cx="4114800" cy="1709058"/>
+          </a:xfrm>
+          <a:prstGeom prst="rect">
+            <a:avLst/>
+          </a:prstGeom>
+          <a:noFill/>
+          <a:ln>
+            <a:solidFill>
+              <a:srgbClr val="FF0000"/>
+            </a:solidFill>
+          </a:ln>
+        </p:spPr>
+        <p:style>
+          <a:lnRef idx="2">
+            <a:schemeClr val="accent1">
+              <a:shade val="15000"/>
+            </a:schemeClr>
+          </a:lnRef>
+          <a:fillRef idx="1">
+            <a:schemeClr val="accent1"/>
+          </a:fillRef>
+          <a:effectRef idx="0">
+            <a:schemeClr val="accent1"/>
+          </a:effectRef>
+          <a:fontRef idx="minor">
+            <a:schemeClr val="lt1"/>
+          </a:fontRef>
+        </p:style>
+        <p:txBody>
+          <a:bodyPr vert="vert" wrap="none" rtlCol="0" anchor="t"/>
+          <a:lstStyle/>
+          <a:p>
+            <a:pPr algn="ctr"/>
+            <a:r>
+              <a:rPr kumimoji="1" lang="en-US" altLang="ko-KR" dirty="0">
+                <a:solidFill>
+                  <a:srgbClr val="FF0000"/>
+                </a:solidFill>
+              </a:rPr>
+              <a:t>Get</a:t>
+            </a:r>
+            <a:endParaRPr kumimoji="1" lang="ko-KR" altLang="en-US" dirty="0">
+              <a:solidFill>
+                <a:srgbClr val="FF0000"/>
+              </a:solidFill>
+            </a:endParaRPr>
+          </a:p>
+        </p:txBody>
+      </p:sp>
+      <p:sp>
+        <p:nvSpPr>
+          <p:cNvPr id="6" name="직사각형 5">
+            <a:extLst>
+              <a:ext uri="{FF2B5EF4-FFF2-40B4-BE49-F238E27FC236}">
+                <a16:creationId xmlns:a16="http://schemas.microsoft.com/office/drawing/2014/main" id="{DBD58813-A0EE-7CDE-8A33-4CB26AD9344C}"/>
+              </a:ext>
+            </a:extLst>
+          </p:cNvPr>
+          <p:cNvSpPr/>
+          <p:nvPr/>
+        </p:nvSpPr>
+        <p:spPr>
+          <a:xfrm>
+            <a:off x="827314" y="3828883"/>
+            <a:ext cx="4114800" cy="2827230"/>
+          </a:xfrm>
+          <a:prstGeom prst="rect">
+            <a:avLst/>
+          </a:prstGeom>
+          <a:noFill/>
+          <a:ln>
+            <a:solidFill>
+              <a:srgbClr val="FF0000"/>
+            </a:solidFill>
+          </a:ln>
+        </p:spPr>
+        <p:style>
+          <a:lnRef idx="2">
+            <a:schemeClr val="accent1">
+              <a:shade val="15000"/>
+            </a:schemeClr>
+          </a:lnRef>
+          <a:fillRef idx="1">
+            <a:schemeClr val="accent1"/>
+          </a:fillRef>
+          <a:effectRef idx="0">
+            <a:schemeClr val="accent1"/>
+          </a:effectRef>
+          <a:fontRef idx="minor">
+            <a:schemeClr val="lt1"/>
+          </a:fontRef>
+        </p:style>
+        <p:txBody>
+          <a:bodyPr vert="vert" wrap="none" rtlCol="0" anchor="t"/>
+          <a:lstStyle/>
+          <a:p>
+            <a:pPr algn="ctr"/>
+            <a:r>
+              <a:rPr kumimoji="1" lang="en-US" altLang="ko-KR" dirty="0">
+                <a:solidFill>
+                  <a:srgbClr val="FF0000"/>
+                </a:solidFill>
+              </a:rPr>
+              <a:t>Put</a:t>
+            </a:r>
+            <a:endParaRPr kumimoji="1" lang="ko-KR" altLang="en-US" dirty="0">
+              <a:solidFill>
+                <a:srgbClr val="FF0000"/>
+              </a:solidFill>
+            </a:endParaRPr>
+          </a:p>
+        </p:txBody>
+      </p:sp>
+      <p:sp>
+        <p:nvSpPr>
+          <p:cNvPr id="7" name="직사각형 6">
+            <a:extLst>
+              <a:ext uri="{FF2B5EF4-FFF2-40B4-BE49-F238E27FC236}">
+                <a16:creationId xmlns:a16="http://schemas.microsoft.com/office/drawing/2014/main" id="{564728EF-6A3C-0997-CD80-2EDAC7F695A7}"/>
+              </a:ext>
+            </a:extLst>
+          </p:cNvPr>
+          <p:cNvSpPr/>
+          <p:nvPr/>
+        </p:nvSpPr>
+        <p:spPr>
+          <a:xfrm>
+            <a:off x="5279571" y="3828885"/>
+            <a:ext cx="4114800" cy="1709058"/>
+          </a:xfrm>
+          <a:prstGeom prst="rect">
+            <a:avLst/>
+          </a:prstGeom>
+          <a:noFill/>
+          <a:ln>
+            <a:solidFill>
+              <a:srgbClr val="FF0000"/>
+            </a:solidFill>
+          </a:ln>
+        </p:spPr>
+        <p:style>
+          <a:lnRef idx="2">
+            <a:schemeClr val="accent1">
+              <a:shade val="15000"/>
+            </a:schemeClr>
+          </a:lnRef>
+          <a:fillRef idx="1">
+            <a:schemeClr val="accent1"/>
+          </a:fillRef>
+          <a:effectRef idx="0">
+            <a:schemeClr val="accent1"/>
+          </a:effectRef>
+          <a:fontRef idx="minor">
+            <a:schemeClr val="lt1"/>
+          </a:fontRef>
+        </p:style>
+        <p:txBody>
+          <a:bodyPr vert="vert" wrap="none" rtlCol="0" anchor="t"/>
+          <a:lstStyle/>
+          <a:p>
+            <a:pPr algn="ctr"/>
+            <a:r>
+              <a:rPr kumimoji="1" lang="en-US" altLang="ko-KR" dirty="0">
+                <a:solidFill>
+                  <a:srgbClr val="FF0000"/>
+                </a:solidFill>
+              </a:rPr>
+              <a:t>Put</a:t>
+            </a:r>
+            <a:endParaRPr kumimoji="1" lang="ko-KR" altLang="en-US" dirty="0">
+              <a:solidFill>
+                <a:srgbClr val="FF0000"/>
+              </a:solidFill>
+            </a:endParaRPr>
           </a:p>
         </p:txBody>
       </p:sp>
@@ -6868,7 +7167,13 @@
               <a:buAutoNum type="arabicPeriod"/>
             </a:pPr>
             <a:r>
-              <a:rPr kumimoji="1" lang="en-US" altLang="ko-KR" dirty="0"/>
+              <a:rPr kumimoji="1" lang="en-US" altLang="ko-KR" i="1" dirty="0">
+                <a:solidFill>
+                  <a:schemeClr val="bg1">
+                    <a:lumMod val="50000"/>
+                  </a:schemeClr>
+                </a:solidFill>
+              </a:rPr>
               <a:t>Send Map to Stocker</a:t>
             </a:r>
             <a:br>
@@ -6966,14 +7271,160 @@
               <a:buAutoNum type="arabicPeriod"/>
             </a:pPr>
             <a:r>
-              <a:rPr kumimoji="1" lang="en-US" altLang="ko-KR" dirty="0"/>
+              <a:rPr kumimoji="1" lang="en-US" altLang="ko-KR" i="1" dirty="0">
+                <a:solidFill>
+                  <a:schemeClr val="bg1">
+                    <a:lumMod val="50000"/>
+                  </a:schemeClr>
+                </a:solidFill>
+              </a:rPr>
               <a:t>Send Map to </a:t>
             </a:r>
             <a:r>
-              <a:rPr kumimoji="1" lang="ko-KR" altLang="en-US" dirty="0"/>
+              <a:rPr kumimoji="1" lang="ko-KR" altLang="en-US" i="1" dirty="0">
+                <a:solidFill>
+                  <a:schemeClr val="bg1">
+                    <a:lumMod val="50000"/>
+                  </a:schemeClr>
+                </a:solidFill>
+              </a:rPr>
               <a:t>반출입기</a:t>
             </a:r>
-            <a:endParaRPr kumimoji="1" lang="en-US" altLang="ko-KR" dirty="0"/>
+            <a:endParaRPr kumimoji="1" lang="en-US" altLang="ko-KR" i="1" dirty="0">
+              <a:solidFill>
+                <a:schemeClr val="bg1">
+                  <a:lumMod val="50000"/>
+                </a:schemeClr>
+              </a:solidFill>
+            </a:endParaRPr>
+          </a:p>
+        </p:txBody>
+      </p:sp>
+      <p:sp>
+        <p:nvSpPr>
+          <p:cNvPr id="3" name="직사각형 2">
+            <a:extLst>
+              <a:ext uri="{FF2B5EF4-FFF2-40B4-BE49-F238E27FC236}">
+                <a16:creationId xmlns:a16="http://schemas.microsoft.com/office/drawing/2014/main" id="{E6BBA7D9-A356-8CD7-C5B1-FFDB4E643D7F}"/>
+              </a:ext>
+            </a:extLst>
+          </p:cNvPr>
+          <p:cNvSpPr/>
+          <p:nvPr/>
+        </p:nvSpPr>
+        <p:spPr>
+          <a:xfrm>
+            <a:off x="827314" y="1621969"/>
+            <a:ext cx="4114800" cy="1709059"/>
+          </a:xfrm>
+          <a:prstGeom prst="rect">
+            <a:avLst/>
+          </a:prstGeom>
+          <a:noFill/>
+          <a:ln>
+            <a:solidFill>
+              <a:srgbClr val="FF0000"/>
+            </a:solidFill>
+          </a:ln>
+        </p:spPr>
+        <p:style>
+          <a:lnRef idx="2">
+            <a:schemeClr val="accent1">
+              <a:shade val="15000"/>
+            </a:schemeClr>
+          </a:lnRef>
+          <a:fillRef idx="1">
+            <a:schemeClr val="accent1"/>
+          </a:fillRef>
+          <a:effectRef idx="0">
+            <a:schemeClr val="accent1"/>
+          </a:effectRef>
+          <a:fontRef idx="minor">
+            <a:schemeClr val="lt1"/>
+          </a:fontRef>
+        </p:style>
+        <p:txBody>
+          <a:bodyPr vert="vert" wrap="none" rtlCol="0" anchor="t"/>
+          <a:lstStyle/>
+          <a:p>
+            <a:pPr algn="ctr"/>
+            <a:r>
+              <a:rPr kumimoji="1" lang="en-US" altLang="ko-KR" dirty="0">
+                <a:solidFill>
+                  <a:srgbClr val="FF0000"/>
+                </a:solidFill>
+              </a:rPr>
+              <a:t>Get</a:t>
+            </a:r>
+            <a:endParaRPr kumimoji="1" lang="ko-KR" altLang="en-US" dirty="0">
+              <a:solidFill>
+                <a:srgbClr val="FF0000"/>
+              </a:solidFill>
+            </a:endParaRPr>
+          </a:p>
+        </p:txBody>
+      </p:sp>
+      <p:sp>
+        <p:nvSpPr>
+          <p:cNvPr id="6" name="직사각형 5">
+            <a:extLst>
+              <a:ext uri="{FF2B5EF4-FFF2-40B4-BE49-F238E27FC236}">
+                <a16:creationId xmlns:a16="http://schemas.microsoft.com/office/drawing/2014/main" id="{4829B5C3-7678-74B1-E97F-EA2968E9B8E5}"/>
+              </a:ext>
+            </a:extLst>
+          </p:cNvPr>
+          <p:cNvSpPr/>
+          <p:nvPr/>
+        </p:nvSpPr>
+        <p:spPr>
+          <a:xfrm>
+            <a:off x="827314" y="3828883"/>
+            <a:ext cx="4114800" cy="1709059"/>
+          </a:xfrm>
+          <a:prstGeom prst="rect">
+            <a:avLst/>
+          </a:prstGeom>
+          <a:noFill/>
+          <a:ln>
+            <a:solidFill>
+              <a:srgbClr val="FF0000"/>
+            </a:solidFill>
+          </a:ln>
+        </p:spPr>
+        <p:style>
+          <a:lnRef idx="2">
+            <a:schemeClr val="accent1">
+              <a:shade val="15000"/>
+            </a:schemeClr>
+          </a:lnRef>
+          <a:fillRef idx="1">
+            <a:schemeClr val="accent1"/>
+          </a:fillRef>
+          <a:effectRef idx="0">
+            <a:schemeClr val="accent1"/>
+          </a:effectRef>
+          <a:fontRef idx="minor">
+            <a:schemeClr val="lt1"/>
+          </a:fontRef>
+        </p:style>
+        <p:txBody>
+          <a:bodyPr vert="vert" wrap="none" rtlCol="0" anchor="t"/>
+          <a:lstStyle/>
+          <a:p>
+            <a:pPr algn="ctr"/>
+            <a:r>
+              <a:rPr kumimoji="1" lang="en-US" altLang="ko-KR" dirty="0">
+                <a:solidFill>
+                  <a:srgbClr val="FF0000"/>
+                </a:solidFill>
+              </a:rPr>
+              <a:t>Put</a:t>
+            </a:r>
+            <a:endParaRPr kumimoji="1" lang="ko-KR" altLang="en-US" dirty="0">
+              <a:solidFill>
+                <a:srgbClr val="FF0000"/>
+              </a:solidFill>
+            </a:endParaRPr>
           </a:p>
         </p:txBody>
       </p:sp>
@@ -7048,36 +7499,6 @@
           </a:p>
         </p:txBody>
       </p:sp>
-      <p:pic>
-        <p:nvPicPr>
-          <p:cNvPr id="3" name="그림 2">
-            <a:extLst>
-              <a:ext uri="{FF2B5EF4-FFF2-40B4-BE49-F238E27FC236}">
-                <a16:creationId xmlns:a16="http://schemas.microsoft.com/office/drawing/2014/main" id="{78245034-EE28-E352-3417-334C83EF5FE4}"/>
-              </a:ext>
-            </a:extLst>
-          </p:cNvPr>
-          <p:cNvPicPr>
-            <a:picLocks noChangeAspect="1"/>
-          </p:cNvPicPr>
-          <p:nvPr/>
-        </p:nvPicPr>
-        <p:blipFill>
-          <a:blip cstate="print"/>
-          <a:stretch>
-            <a:fillRect/>
-          </a:stretch>
-        </p:blipFill>
-        <p:spPr>
-          <a:xfrm>
-            <a:off x="5054975" y="2765208"/>
-            <a:ext cx="943054" cy="1510969"/>
-          </a:xfrm>
-          <a:prstGeom prst="rect">
-            <a:avLst/>
-          </a:prstGeom>
-        </p:spPr>
-      </p:pic>
       <p:sp>
         <p:nvSpPr>
           <p:cNvPr id="4" name="TextBox 3">
@@ -7937,6 +8358,36 @@
           </a:p>
         </p:txBody>
       </p:sp>
+      <p:pic>
+        <p:nvPicPr>
+          <p:cNvPr id="16" name="그림 15">
+            <a:extLst>
+              <a:ext uri="{FF2B5EF4-FFF2-40B4-BE49-F238E27FC236}">
+                <a16:creationId xmlns:a16="http://schemas.microsoft.com/office/drawing/2014/main" id="{549A8BC5-5C5F-37A9-5038-C4C34B4D3C10}"/>
+              </a:ext>
+            </a:extLst>
+          </p:cNvPr>
+          <p:cNvPicPr>
+            <a:picLocks noChangeAspect="1"/>
+          </p:cNvPicPr>
+          <p:nvPr/>
+        </p:nvPicPr>
+        <p:blipFill>
+          <a:blip r:embed="rId2" cstate="print"/>
+          <a:stretch>
+            <a:fillRect/>
+          </a:stretch>
+        </p:blipFill>
+        <p:spPr>
+          <a:xfrm>
+            <a:off x="5314977" y="2961751"/>
+            <a:ext cx="763521" cy="1223320"/>
+          </a:xfrm>
+          <a:prstGeom prst="rect">
+            <a:avLst/>
+          </a:prstGeom>
+        </p:spPr>
+      </p:pic>
     </p:spTree>
     <p:extLst>
       <p:ext uri="{BB962C8B-B14F-4D97-AF65-F5344CB8AC3E}">
@@ -8521,10 +8972,278 @@
               <a:buAutoNum type="arabicPeriod"/>
             </a:pPr>
             <a:r>
-              <a:rPr kumimoji="1" lang="en-US" altLang="ko-KR" dirty="0"/>
+              <a:rPr kumimoji="1" lang="en-US" altLang="ko-KR" i="1" dirty="0">
+                <a:solidFill>
+                  <a:schemeClr val="bg1">
+                    <a:lumMod val="50000"/>
+                  </a:schemeClr>
+                </a:solidFill>
+              </a:rPr>
               <a:t>Send Map to Stocker</a:t>
             </a:r>
-            <a:endParaRPr kumimoji="1" lang="ko-KR" altLang="en-US" dirty="0"/>
+            <a:endParaRPr kumimoji="1" lang="ko-KR" altLang="en-US" i="1" dirty="0">
+              <a:solidFill>
+                <a:schemeClr val="bg1">
+                  <a:lumMod val="50000"/>
+                </a:schemeClr>
+              </a:solidFill>
+            </a:endParaRPr>
+          </a:p>
+        </p:txBody>
+      </p:sp>
+      <p:sp>
+        <p:nvSpPr>
+          <p:cNvPr id="3" name="직사각형 2">
+            <a:extLst>
+              <a:ext uri="{FF2B5EF4-FFF2-40B4-BE49-F238E27FC236}">
+                <a16:creationId xmlns:a16="http://schemas.microsoft.com/office/drawing/2014/main" id="{48136E0D-D20F-DE5E-AE87-74CC15502C37}"/>
+              </a:ext>
+            </a:extLst>
+          </p:cNvPr>
+          <p:cNvSpPr/>
+          <p:nvPr/>
+        </p:nvSpPr>
+        <p:spPr>
+          <a:xfrm>
+            <a:off x="827314" y="1763486"/>
+            <a:ext cx="4114800" cy="936171"/>
+          </a:xfrm>
+          <a:prstGeom prst="rect">
+            <a:avLst/>
+          </a:prstGeom>
+          <a:noFill/>
+          <a:ln>
+            <a:solidFill>
+              <a:srgbClr val="FF0000"/>
+            </a:solidFill>
+          </a:ln>
+        </p:spPr>
+        <p:style>
+          <a:lnRef idx="2">
+            <a:schemeClr val="accent1">
+              <a:shade val="15000"/>
+            </a:schemeClr>
+          </a:lnRef>
+          <a:fillRef idx="1">
+            <a:schemeClr val="accent1"/>
+          </a:fillRef>
+          <a:effectRef idx="0">
+            <a:schemeClr val="accent1"/>
+          </a:effectRef>
+          <a:fontRef idx="minor">
+            <a:schemeClr val="lt1"/>
+          </a:fontRef>
+        </p:style>
+        <p:txBody>
+          <a:bodyPr vert="vert" wrap="none" rtlCol="0" anchor="t"/>
+          <a:lstStyle/>
+          <a:p>
+            <a:pPr algn="ctr"/>
+            <a:r>
+              <a:rPr kumimoji="1" lang="en-US" altLang="ko-KR" dirty="0">
+                <a:solidFill>
+                  <a:srgbClr val="FF0000"/>
+                </a:solidFill>
+              </a:rPr>
+              <a:t>Get</a:t>
+            </a:r>
+            <a:endParaRPr kumimoji="1" lang="ko-KR" altLang="en-US" dirty="0">
+              <a:solidFill>
+                <a:srgbClr val="FF0000"/>
+              </a:solidFill>
+            </a:endParaRPr>
+          </a:p>
+        </p:txBody>
+      </p:sp>
+      <p:sp>
+        <p:nvSpPr>
+          <p:cNvPr id="5" name="직사각형 4">
+            <a:extLst>
+              <a:ext uri="{FF2B5EF4-FFF2-40B4-BE49-F238E27FC236}">
+                <a16:creationId xmlns:a16="http://schemas.microsoft.com/office/drawing/2014/main" id="{06AE6D62-2F56-DBC5-BF9E-1ECBE2BE318E}"/>
+              </a:ext>
+            </a:extLst>
+          </p:cNvPr>
+          <p:cNvSpPr/>
+          <p:nvPr/>
+        </p:nvSpPr>
+        <p:spPr>
+          <a:xfrm>
+            <a:off x="5279571" y="1763488"/>
+            <a:ext cx="4114800" cy="936170"/>
+          </a:xfrm>
+          <a:prstGeom prst="rect">
+            <a:avLst/>
+          </a:prstGeom>
+          <a:noFill/>
+          <a:ln>
+            <a:solidFill>
+              <a:srgbClr val="FF0000"/>
+            </a:solidFill>
+          </a:ln>
+        </p:spPr>
+        <p:style>
+          <a:lnRef idx="2">
+            <a:schemeClr val="accent1">
+              <a:shade val="15000"/>
+            </a:schemeClr>
+          </a:lnRef>
+          <a:fillRef idx="1">
+            <a:schemeClr val="accent1"/>
+          </a:fillRef>
+          <a:effectRef idx="0">
+            <a:schemeClr val="accent1"/>
+          </a:effectRef>
+          <a:fontRef idx="minor">
+            <a:schemeClr val="lt1"/>
+          </a:fontRef>
+        </p:style>
+        <p:txBody>
+          <a:bodyPr vert="vert" wrap="none" rtlCol="0" anchor="t"/>
+          <a:lstStyle/>
+          <a:p>
+            <a:pPr algn="ctr"/>
+            <a:r>
+              <a:rPr kumimoji="1" lang="en-US" altLang="ko-KR" dirty="0">
+                <a:solidFill>
+                  <a:srgbClr val="FF0000"/>
+                </a:solidFill>
+              </a:rPr>
+              <a:t>Get</a:t>
+            </a:r>
+            <a:endParaRPr kumimoji="1" lang="ko-KR" altLang="en-US" dirty="0">
+              <a:solidFill>
+                <a:srgbClr val="FF0000"/>
+              </a:solidFill>
+            </a:endParaRPr>
+          </a:p>
+        </p:txBody>
+      </p:sp>
+      <p:sp>
+        <p:nvSpPr>
+          <p:cNvPr id="6" name="직사각형 5">
+            <a:extLst>
+              <a:ext uri="{FF2B5EF4-FFF2-40B4-BE49-F238E27FC236}">
+                <a16:creationId xmlns:a16="http://schemas.microsoft.com/office/drawing/2014/main" id="{619E0DD1-A489-C4C8-847F-3F571011C83F}"/>
+              </a:ext>
+            </a:extLst>
+          </p:cNvPr>
+          <p:cNvSpPr/>
+          <p:nvPr/>
+        </p:nvSpPr>
+        <p:spPr>
+          <a:xfrm>
+            <a:off x="827314" y="3124242"/>
+            <a:ext cx="4114800" cy="1709059"/>
+          </a:xfrm>
+          <a:prstGeom prst="rect">
+            <a:avLst/>
+          </a:prstGeom>
+          <a:noFill/>
+          <a:ln>
+            <a:solidFill>
+              <a:srgbClr val="FF0000"/>
+            </a:solidFill>
+          </a:ln>
+        </p:spPr>
+        <p:style>
+          <a:lnRef idx="2">
+            <a:schemeClr val="accent1">
+              <a:shade val="15000"/>
+            </a:schemeClr>
+          </a:lnRef>
+          <a:fillRef idx="1">
+            <a:schemeClr val="accent1"/>
+          </a:fillRef>
+          <a:effectRef idx="0">
+            <a:schemeClr val="accent1"/>
+          </a:effectRef>
+          <a:fontRef idx="minor">
+            <a:schemeClr val="lt1"/>
+          </a:fontRef>
+        </p:style>
+        <p:txBody>
+          <a:bodyPr vert="vert" wrap="none" rtlCol="0" anchor="t"/>
+          <a:lstStyle/>
+          <a:p>
+            <a:pPr algn="ctr"/>
+            <a:r>
+              <a:rPr kumimoji="1" lang="en-US" altLang="ko-KR" dirty="0">
+                <a:solidFill>
+                  <a:srgbClr val="FF0000"/>
+                </a:solidFill>
+              </a:rPr>
+              <a:t>Put</a:t>
+            </a:r>
+            <a:endParaRPr kumimoji="1" lang="ko-KR" altLang="en-US" dirty="0">
+              <a:solidFill>
+                <a:srgbClr val="FF0000"/>
+              </a:solidFill>
+            </a:endParaRPr>
+          </a:p>
+        </p:txBody>
+      </p:sp>
+      <p:sp>
+        <p:nvSpPr>
+          <p:cNvPr id="7" name="직사각형 6">
+            <a:extLst>
+              <a:ext uri="{FF2B5EF4-FFF2-40B4-BE49-F238E27FC236}">
+                <a16:creationId xmlns:a16="http://schemas.microsoft.com/office/drawing/2014/main" id="{00656667-4861-95FB-F01D-CE9BD6399D9E}"/>
+              </a:ext>
+            </a:extLst>
+          </p:cNvPr>
+          <p:cNvSpPr/>
+          <p:nvPr/>
+        </p:nvSpPr>
+        <p:spPr>
+          <a:xfrm>
+            <a:off x="5279571" y="3124244"/>
+            <a:ext cx="4114800" cy="1709058"/>
+          </a:xfrm>
+          <a:prstGeom prst="rect">
+            <a:avLst/>
+          </a:prstGeom>
+          <a:noFill/>
+          <a:ln>
+            <a:solidFill>
+              <a:srgbClr val="FF0000"/>
+            </a:solidFill>
+          </a:ln>
+        </p:spPr>
+        <p:style>
+          <a:lnRef idx="2">
+            <a:schemeClr val="accent1">
+              <a:shade val="15000"/>
+            </a:schemeClr>
+          </a:lnRef>
+          <a:fillRef idx="1">
+            <a:schemeClr val="accent1"/>
+          </a:fillRef>
+          <a:effectRef idx="0">
+            <a:schemeClr val="accent1"/>
+          </a:effectRef>
+          <a:fontRef idx="minor">
+            <a:schemeClr val="lt1"/>
+          </a:fontRef>
+        </p:style>
+        <p:txBody>
+          <a:bodyPr vert="vert" wrap="none" rtlCol="0" anchor="t"/>
+          <a:lstStyle/>
+          <a:p>
+            <a:pPr algn="ctr"/>
+            <a:r>
+              <a:rPr kumimoji="1" lang="en-US" altLang="ko-KR" dirty="0">
+                <a:solidFill>
+                  <a:srgbClr val="FF0000"/>
+                </a:solidFill>
+              </a:rPr>
+              <a:t>Put</a:t>
+            </a:r>
+            <a:endParaRPr kumimoji="1" lang="ko-KR" altLang="en-US" dirty="0">
+              <a:solidFill>
+                <a:srgbClr val="FF0000"/>
+              </a:solidFill>
+            </a:endParaRPr>
           </a:p>
         </p:txBody>
       </p:sp>
@@ -8587,12 +9306,327 @@
           </a:p>
         </p:txBody>
       </p:sp>
+      <p:sp>
+        <p:nvSpPr>
+          <p:cNvPr id="12" name="TextBox 11">
+            <a:extLst>
+              <a:ext uri="{FF2B5EF4-FFF2-40B4-BE49-F238E27FC236}">
+                <a16:creationId xmlns:a16="http://schemas.microsoft.com/office/drawing/2014/main" id="{22F9667E-59CB-0ABB-4EE2-EBB5D1DEF3EB}"/>
+              </a:ext>
+            </a:extLst>
+          </p:cNvPr>
+          <p:cNvSpPr txBox="1"/>
+          <p:nvPr/>
+        </p:nvSpPr>
+        <p:spPr>
+          <a:xfrm>
+            <a:off x="2237670" y="3105833"/>
+            <a:ext cx="1292598" cy="369332"/>
+          </a:xfrm>
+          <a:prstGeom prst="rect">
+            <a:avLst/>
+          </a:prstGeom>
+          <a:noFill/>
+        </p:spPr>
+        <p:txBody>
+          <a:bodyPr wrap="none" rtlCol="0">
+            <a:spAutoFit/>
+          </a:bodyPr>
+          <a:lstStyle/>
+          <a:p>
+            <a:pPr marL="285750" indent="-285750">
+              <a:buFont typeface="Wingdings" pitchFamily="2" charset="2"/>
+              <a:buChar char="l"/>
+            </a:pPr>
+            <a:r>
+              <a:rPr kumimoji="1" lang="en-US" altLang="ko-KR" dirty="0"/>
+              <a:t>No Pack</a:t>
+            </a:r>
+          </a:p>
+        </p:txBody>
+      </p:sp>
+      <p:sp>
+        <p:nvSpPr>
+          <p:cNvPr id="4" name="TextBox 3">
+            <a:extLst>
+              <a:ext uri="{FF2B5EF4-FFF2-40B4-BE49-F238E27FC236}">
+                <a16:creationId xmlns:a16="http://schemas.microsoft.com/office/drawing/2014/main" id="{D897EE24-3FA2-FCF1-4EFB-E6FD82AFD4B4}"/>
+              </a:ext>
+            </a:extLst>
+          </p:cNvPr>
+          <p:cNvSpPr txBox="1"/>
+          <p:nvPr/>
+        </p:nvSpPr>
+        <p:spPr>
+          <a:xfrm>
+            <a:off x="5258402" y="3105833"/>
+            <a:ext cx="1125886" cy="369332"/>
+          </a:xfrm>
+          <a:prstGeom prst="rect">
+            <a:avLst/>
+          </a:prstGeom>
+          <a:noFill/>
+        </p:spPr>
+        <p:txBody>
+          <a:bodyPr wrap="none" rtlCol="0">
+            <a:spAutoFit/>
+          </a:bodyPr>
+          <a:lstStyle/>
+          <a:p>
+            <a:pPr marL="285750" indent="-285750">
+              <a:buFont typeface="Wingdings" pitchFamily="2" charset="2"/>
+              <a:buChar char="l"/>
+            </a:pPr>
+            <a:r>
+              <a:rPr kumimoji="1" lang="en-US" altLang="ko-KR" dirty="0"/>
+              <a:t>1 Pack</a:t>
+            </a:r>
+          </a:p>
+        </p:txBody>
+      </p:sp>
+      <p:sp>
+        <p:nvSpPr>
+          <p:cNvPr id="6" name="TextBox 5">
+            <a:extLst>
+              <a:ext uri="{FF2B5EF4-FFF2-40B4-BE49-F238E27FC236}">
+                <a16:creationId xmlns:a16="http://schemas.microsoft.com/office/drawing/2014/main" id="{87DF6435-7F84-FB70-F876-452AA16D580E}"/>
+              </a:ext>
+            </a:extLst>
+          </p:cNvPr>
+          <p:cNvSpPr txBox="1"/>
+          <p:nvPr/>
+        </p:nvSpPr>
+        <p:spPr>
+          <a:xfrm>
+            <a:off x="8279134" y="3018747"/>
+            <a:ext cx="1249316" cy="369332"/>
+          </a:xfrm>
+          <a:prstGeom prst="rect">
+            <a:avLst/>
+          </a:prstGeom>
+          <a:noFill/>
+        </p:spPr>
+        <p:txBody>
+          <a:bodyPr wrap="none" rtlCol="0">
+            <a:spAutoFit/>
+          </a:bodyPr>
+          <a:lstStyle/>
+          <a:p>
+            <a:pPr marL="285750" indent="-285750">
+              <a:buFont typeface="Wingdings" pitchFamily="2" charset="2"/>
+              <a:buChar char="l"/>
+            </a:pPr>
+            <a:r>
+              <a:rPr kumimoji="1" lang="en-US" altLang="ko-KR" dirty="0"/>
+              <a:t>&gt;1 Pack</a:t>
+            </a:r>
+          </a:p>
+        </p:txBody>
+      </p:sp>
+      <p:sp>
+        <p:nvSpPr>
+          <p:cNvPr id="7" name="TextBox 6">
+            <a:extLst>
+              <a:ext uri="{FF2B5EF4-FFF2-40B4-BE49-F238E27FC236}">
+                <a16:creationId xmlns:a16="http://schemas.microsoft.com/office/drawing/2014/main" id="{5B339928-EE30-C980-CA63-5CAAEDA1C8E7}"/>
+              </a:ext>
+            </a:extLst>
+          </p:cNvPr>
+          <p:cNvSpPr txBox="1"/>
+          <p:nvPr/>
+        </p:nvSpPr>
+        <p:spPr>
+          <a:xfrm>
+            <a:off x="1145600" y="1819760"/>
+            <a:ext cx="1888915" cy="369332"/>
+          </a:xfrm>
+          <a:prstGeom prst="rect">
+            <a:avLst/>
+          </a:prstGeom>
+          <a:noFill/>
+        </p:spPr>
+        <p:txBody>
+          <a:bodyPr wrap="none" rtlCol="0">
+            <a:spAutoFit/>
+          </a:bodyPr>
+          <a:lstStyle/>
+          <a:p>
+            <a:pPr algn="ctr"/>
+            <a:r>
+              <a:rPr kumimoji="1" lang="en-US" altLang="ko-KR" dirty="0"/>
+              <a:t>Pack Scenario</a:t>
+            </a:r>
+            <a:r>
+              <a:rPr kumimoji="1" lang="ko-KR" altLang="en-US" dirty="0"/>
+              <a:t> </a:t>
+            </a:r>
+            <a:r>
+              <a:rPr kumimoji="1" lang="en-US" altLang="ko-KR" dirty="0"/>
+              <a:t>#1</a:t>
+            </a:r>
+            <a:endParaRPr kumimoji="1" lang="ko-KR" altLang="en-US" dirty="0"/>
+          </a:p>
+        </p:txBody>
+      </p:sp>
+      <p:sp>
+        <p:nvSpPr>
+          <p:cNvPr id="8" name="TextBox 7">
+            <a:extLst>
+              <a:ext uri="{FF2B5EF4-FFF2-40B4-BE49-F238E27FC236}">
+                <a16:creationId xmlns:a16="http://schemas.microsoft.com/office/drawing/2014/main" id="{4C94BBE5-2565-6DD2-675F-BD994DABD58E}"/>
+              </a:ext>
+            </a:extLst>
+          </p:cNvPr>
+          <p:cNvSpPr txBox="1"/>
+          <p:nvPr/>
+        </p:nvSpPr>
+        <p:spPr>
+          <a:xfrm>
+            <a:off x="4166332" y="1819760"/>
+            <a:ext cx="1888915" cy="369332"/>
+          </a:xfrm>
+          <a:prstGeom prst="rect">
+            <a:avLst/>
+          </a:prstGeom>
+          <a:noFill/>
+        </p:spPr>
+        <p:txBody>
+          <a:bodyPr wrap="none" rtlCol="0">
+            <a:spAutoFit/>
+          </a:bodyPr>
+          <a:lstStyle/>
+          <a:p>
+            <a:pPr algn="ctr"/>
+            <a:r>
+              <a:rPr kumimoji="1" lang="en-US" altLang="ko-KR" dirty="0"/>
+              <a:t>Pack Scenario</a:t>
+            </a:r>
+            <a:r>
+              <a:rPr kumimoji="1" lang="ko-KR" altLang="en-US" dirty="0"/>
+              <a:t> </a:t>
+            </a:r>
+            <a:r>
+              <a:rPr kumimoji="1" lang="en-US" altLang="ko-KR" dirty="0"/>
+              <a:t>#2</a:t>
+            </a:r>
+            <a:endParaRPr kumimoji="1" lang="ko-KR" altLang="en-US" dirty="0"/>
+          </a:p>
+        </p:txBody>
+      </p:sp>
+      <p:sp>
+        <p:nvSpPr>
+          <p:cNvPr id="9" name="TextBox 8">
+            <a:extLst>
+              <a:ext uri="{FF2B5EF4-FFF2-40B4-BE49-F238E27FC236}">
+                <a16:creationId xmlns:a16="http://schemas.microsoft.com/office/drawing/2014/main" id="{4095FE1F-667B-63BF-74B5-80F9A94C4715}"/>
+              </a:ext>
+            </a:extLst>
+          </p:cNvPr>
+          <p:cNvSpPr txBox="1"/>
+          <p:nvPr/>
+        </p:nvSpPr>
+        <p:spPr>
+          <a:xfrm>
+            <a:off x="7187064" y="1819760"/>
+            <a:ext cx="1888915" cy="369332"/>
+          </a:xfrm>
+          <a:prstGeom prst="rect">
+            <a:avLst/>
+          </a:prstGeom>
+          <a:noFill/>
+        </p:spPr>
+        <p:txBody>
+          <a:bodyPr wrap="none" rtlCol="0">
+            <a:spAutoFit/>
+          </a:bodyPr>
+          <a:lstStyle/>
+          <a:p>
+            <a:pPr algn="ctr"/>
+            <a:r>
+              <a:rPr kumimoji="1" lang="en-US" altLang="ko-KR" dirty="0"/>
+              <a:t>Pack Scenario</a:t>
+            </a:r>
+            <a:r>
+              <a:rPr kumimoji="1" lang="ko-KR" altLang="en-US" dirty="0"/>
+              <a:t> </a:t>
+            </a:r>
+            <a:r>
+              <a:rPr kumimoji="1" lang="en-US" altLang="ko-KR" dirty="0"/>
+              <a:t>#3</a:t>
+            </a:r>
+            <a:endParaRPr kumimoji="1" lang="ko-KR" altLang="en-US" dirty="0"/>
+          </a:p>
+        </p:txBody>
+      </p:sp>
+      <p:sp>
+        <p:nvSpPr>
+          <p:cNvPr id="11" name="TextBox 10">
+            <a:extLst>
+              <a:ext uri="{FF2B5EF4-FFF2-40B4-BE49-F238E27FC236}">
+                <a16:creationId xmlns:a16="http://schemas.microsoft.com/office/drawing/2014/main" id="{2DC38404-8E74-E154-7835-6BA98B3AA1A9}"/>
+              </a:ext>
+            </a:extLst>
+          </p:cNvPr>
+          <p:cNvSpPr txBox="1"/>
+          <p:nvPr/>
+        </p:nvSpPr>
+        <p:spPr>
+          <a:xfrm>
+            <a:off x="719555" y="5775302"/>
+            <a:ext cx="3446777" cy="369332"/>
+          </a:xfrm>
+          <a:prstGeom prst="rect">
+            <a:avLst/>
+          </a:prstGeom>
+          <a:noFill/>
+        </p:spPr>
+        <p:txBody>
+          <a:bodyPr wrap="none" rtlCol="0">
+            <a:spAutoFit/>
+          </a:bodyPr>
+          <a:lstStyle/>
+          <a:p>
+            <a:pPr algn="ctr"/>
+            <a:r>
+              <a:rPr kumimoji="1" lang="en-US" altLang="ko-KR" dirty="0"/>
+              <a:t>Recipe/</a:t>
+            </a:r>
+            <a:r>
+              <a:rPr kumimoji="1" lang="ko-KR" altLang="en-US" dirty="0" err="1"/>
+              <a:t>의뢰건</a:t>
+            </a:r>
+            <a:r>
+              <a:rPr kumimoji="1" lang="ko-KR" altLang="en-US" dirty="0"/>
+              <a:t> 관리 </a:t>
+            </a:r>
+            <a:r>
+              <a:rPr kumimoji="1" lang="en-US" altLang="ko-KR" dirty="0">
+                <a:sym typeface="Wingdings" pitchFamily="2" charset="2"/>
+              </a:rPr>
+              <a:t></a:t>
+            </a:r>
+            <a:r>
+              <a:rPr kumimoji="1" lang="ko-KR" altLang="en-US" dirty="0">
+                <a:sym typeface="Wingdings" pitchFamily="2" charset="2"/>
+              </a:rPr>
+              <a:t> </a:t>
+            </a:r>
+            <a:r>
+              <a:rPr kumimoji="1" lang="en-US" altLang="ko-KR" dirty="0">
+                <a:sym typeface="Wingdings" pitchFamily="2" charset="2"/>
+              </a:rPr>
+              <a:t>Recipe ID</a:t>
+            </a:r>
+            <a:endParaRPr kumimoji="1" lang="ko-KR" altLang="en-US" dirty="0"/>
+          </a:p>
+        </p:txBody>
+      </p:sp>
       <p:pic>
         <p:nvPicPr>
-          <p:cNvPr id="10" name="그림 9">
-            <a:extLst>
-              <a:ext uri="{FF2B5EF4-FFF2-40B4-BE49-F238E27FC236}">
-                <a16:creationId xmlns:a16="http://schemas.microsoft.com/office/drawing/2014/main" id="{E2F4ED31-DD67-9DC6-460B-AAD6FAD589A7}"/>
+          <p:cNvPr id="13" name="그림 12">
+            <a:extLst>
+              <a:ext uri="{FF2B5EF4-FFF2-40B4-BE49-F238E27FC236}">
+                <a16:creationId xmlns:a16="http://schemas.microsoft.com/office/drawing/2014/main" id="{502EE9EC-DFF2-9509-698B-3F23221B7ABB}"/>
               </a:ext>
             </a:extLst>
           </p:cNvPr>
@@ -8602,66 +9636,27 @@
           <p:nvPr/>
         </p:nvPicPr>
         <p:blipFill>
-          <a:blip cstate="print"/>
+          <a:blip r:embed="rId2" cstate="print"/>
           <a:stretch>
             <a:fillRect/>
           </a:stretch>
         </p:blipFill>
         <p:spPr>
           <a:xfrm>
-            <a:off x="657148" y="2281089"/>
-            <a:ext cx="1432910" cy="2295821"/>
+            <a:off x="1018404" y="2315616"/>
+            <a:ext cx="1216923" cy="1949765"/>
           </a:xfrm>
           <a:prstGeom prst="rect">
             <a:avLst/>
           </a:prstGeom>
         </p:spPr>
       </p:pic>
-      <p:sp>
-        <p:nvSpPr>
-          <p:cNvPr id="12" name="TextBox 11">
-            <a:extLst>
-              <a:ext uri="{FF2B5EF4-FFF2-40B4-BE49-F238E27FC236}">
-                <a16:creationId xmlns:a16="http://schemas.microsoft.com/office/drawing/2014/main" id="{22F9667E-59CB-0ABB-4EE2-EBB5D1DEF3EB}"/>
-              </a:ext>
-            </a:extLst>
-          </p:cNvPr>
-          <p:cNvSpPr txBox="1"/>
-          <p:nvPr/>
-        </p:nvSpPr>
-        <p:spPr>
-          <a:xfrm>
-            <a:off x="2237670" y="3105833"/>
-            <a:ext cx="1292598" cy="369332"/>
-          </a:xfrm>
-          <a:prstGeom prst="rect">
-            <a:avLst/>
-          </a:prstGeom>
-          <a:noFill/>
-        </p:spPr>
-        <p:txBody>
-          <a:bodyPr wrap="none" rtlCol="0">
-            <a:spAutoFit/>
-          </a:bodyPr>
-          <a:lstStyle/>
-          <a:p>
-            <a:pPr marL="285750" indent="-285750">
-              <a:buFont typeface="Wingdings" pitchFamily="2" charset="2"/>
-              <a:buChar char="l"/>
-            </a:pPr>
-            <a:r>
-              <a:rPr kumimoji="1" lang="en-US" altLang="ko-KR" dirty="0"/>
-              <a:t>No Pack</a:t>
-            </a:r>
-          </a:p>
-        </p:txBody>
-      </p:sp>
       <p:pic>
         <p:nvPicPr>
-          <p:cNvPr id="3" name="그림 2">
-            <a:extLst>
-              <a:ext uri="{FF2B5EF4-FFF2-40B4-BE49-F238E27FC236}">
-                <a16:creationId xmlns:a16="http://schemas.microsoft.com/office/drawing/2014/main" id="{87C155B1-D227-38F7-6E4A-15B7967BD8EF}"/>
+          <p:cNvPr id="14" name="그림 13">
+            <a:extLst>
+              <a:ext uri="{FF2B5EF4-FFF2-40B4-BE49-F238E27FC236}">
+                <a16:creationId xmlns:a16="http://schemas.microsoft.com/office/drawing/2014/main" id="{A392ED82-8482-C22F-3766-CA04433514CF}"/>
               </a:ext>
             </a:extLst>
           </p:cNvPr>
@@ -8671,66 +9666,27 @@
           <p:nvPr/>
         </p:nvPicPr>
         <p:blipFill>
-          <a:blip cstate="print"/>
+          <a:blip r:embed="rId2" cstate="print"/>
           <a:stretch>
             <a:fillRect/>
           </a:stretch>
         </p:blipFill>
         <p:spPr>
           <a:xfrm>
-            <a:off x="3677880" y="2281089"/>
-            <a:ext cx="1432910" cy="2295821"/>
+            <a:off x="4041479" y="2315616"/>
+            <a:ext cx="1216923" cy="1949765"/>
           </a:xfrm>
           <a:prstGeom prst="rect">
             <a:avLst/>
           </a:prstGeom>
         </p:spPr>
       </p:pic>
-      <p:sp>
-        <p:nvSpPr>
-          <p:cNvPr id="4" name="TextBox 3">
-            <a:extLst>
-              <a:ext uri="{FF2B5EF4-FFF2-40B4-BE49-F238E27FC236}">
-                <a16:creationId xmlns:a16="http://schemas.microsoft.com/office/drawing/2014/main" id="{D897EE24-3FA2-FCF1-4EFB-E6FD82AFD4B4}"/>
-              </a:ext>
-            </a:extLst>
-          </p:cNvPr>
-          <p:cNvSpPr txBox="1"/>
-          <p:nvPr/>
-        </p:nvSpPr>
-        <p:spPr>
-          <a:xfrm>
-            <a:off x="5258402" y="3105833"/>
-            <a:ext cx="1125886" cy="369332"/>
-          </a:xfrm>
-          <a:prstGeom prst="rect">
-            <a:avLst/>
-          </a:prstGeom>
-          <a:noFill/>
-        </p:spPr>
-        <p:txBody>
-          <a:bodyPr wrap="none" rtlCol="0">
-            <a:spAutoFit/>
-          </a:bodyPr>
-          <a:lstStyle/>
-          <a:p>
-            <a:pPr marL="285750" indent="-285750">
-              <a:buFont typeface="Wingdings" pitchFamily="2" charset="2"/>
-              <a:buChar char="l"/>
-            </a:pPr>
-            <a:r>
-              <a:rPr kumimoji="1" lang="en-US" altLang="ko-KR" dirty="0"/>
-              <a:t>1 Pack</a:t>
-            </a:r>
-          </a:p>
-        </p:txBody>
-      </p:sp>
       <p:pic>
         <p:nvPicPr>
-          <p:cNvPr id="5" name="그림 4">
-            <a:extLst>
-              <a:ext uri="{FF2B5EF4-FFF2-40B4-BE49-F238E27FC236}">
-                <a16:creationId xmlns:a16="http://schemas.microsoft.com/office/drawing/2014/main" id="{757B636B-BA92-D7BA-F0A0-E6F164BAA015}"/>
+          <p:cNvPr id="15" name="그림 14">
+            <a:extLst>
+              <a:ext uri="{FF2B5EF4-FFF2-40B4-BE49-F238E27FC236}">
+                <a16:creationId xmlns:a16="http://schemas.microsoft.com/office/drawing/2014/main" id="{B82B2857-50CC-BE5C-8E9A-3D8B563B2769}"/>
               </a:ext>
             </a:extLst>
           </p:cNvPr>
@@ -8740,258 +9696,21 @@
           <p:nvPr/>
         </p:nvPicPr>
         <p:blipFill>
-          <a:blip cstate="print"/>
+          <a:blip r:embed="rId2" cstate="print"/>
           <a:stretch>
             <a:fillRect/>
           </a:stretch>
         </p:blipFill>
         <p:spPr>
           <a:xfrm>
-            <a:off x="6698612" y="2194003"/>
-            <a:ext cx="1432910" cy="2295821"/>
+            <a:off x="7059868" y="2315616"/>
+            <a:ext cx="1216923" cy="1949765"/>
           </a:xfrm>
           <a:prstGeom prst="rect">
             <a:avLst/>
           </a:prstGeom>
         </p:spPr>
       </p:pic>
-      <p:sp>
-        <p:nvSpPr>
-          <p:cNvPr id="6" name="TextBox 5">
-            <a:extLst>
-              <a:ext uri="{FF2B5EF4-FFF2-40B4-BE49-F238E27FC236}">
-                <a16:creationId xmlns:a16="http://schemas.microsoft.com/office/drawing/2014/main" id="{87DF6435-7F84-FB70-F876-452AA16D580E}"/>
-              </a:ext>
-            </a:extLst>
-          </p:cNvPr>
-          <p:cNvSpPr txBox="1"/>
-          <p:nvPr/>
-        </p:nvSpPr>
-        <p:spPr>
-          <a:xfrm>
-            <a:off x="8279134" y="3018747"/>
-            <a:ext cx="1249316" cy="369332"/>
-          </a:xfrm>
-          <a:prstGeom prst="rect">
-            <a:avLst/>
-          </a:prstGeom>
-          <a:noFill/>
-        </p:spPr>
-        <p:txBody>
-          <a:bodyPr wrap="none" rtlCol="0">
-            <a:spAutoFit/>
-          </a:bodyPr>
-          <a:lstStyle/>
-          <a:p>
-            <a:pPr marL="285750" indent="-285750">
-              <a:buFont typeface="Wingdings" pitchFamily="2" charset="2"/>
-              <a:buChar char="l"/>
-            </a:pPr>
-            <a:r>
-              <a:rPr kumimoji="1" lang="en-US" altLang="ko-KR" dirty="0"/>
-              <a:t>&gt;1 Pack</a:t>
-            </a:r>
-          </a:p>
-        </p:txBody>
-      </p:sp>
-      <p:sp>
-        <p:nvSpPr>
-          <p:cNvPr id="7" name="TextBox 6">
-            <a:extLst>
-              <a:ext uri="{FF2B5EF4-FFF2-40B4-BE49-F238E27FC236}">
-                <a16:creationId xmlns:a16="http://schemas.microsoft.com/office/drawing/2014/main" id="{5B339928-EE30-C980-CA63-5CAAEDA1C8E7}"/>
-              </a:ext>
-            </a:extLst>
-          </p:cNvPr>
-          <p:cNvSpPr txBox="1"/>
-          <p:nvPr/>
-        </p:nvSpPr>
-        <p:spPr>
-          <a:xfrm>
-            <a:off x="1145600" y="1819760"/>
-            <a:ext cx="1888915" cy="369332"/>
-          </a:xfrm>
-          <a:prstGeom prst="rect">
-            <a:avLst/>
-          </a:prstGeom>
-          <a:noFill/>
-        </p:spPr>
-        <p:txBody>
-          <a:bodyPr wrap="none" rtlCol="0">
-            <a:spAutoFit/>
-          </a:bodyPr>
-          <a:lstStyle/>
-          <a:p>
-            <a:pPr algn="ctr"/>
-            <a:r>
-              <a:rPr kumimoji="1" lang="en-US" altLang="ko-KR" dirty="0"/>
-              <a:t>Pack Scenario</a:t>
-            </a:r>
-            <a:r>
-              <a:rPr kumimoji="1" lang="ko-KR" altLang="en-US" dirty="0"/>
-              <a:t> </a:t>
-            </a:r>
-            <a:r>
-              <a:rPr kumimoji="1" lang="en-US" altLang="ko-KR" dirty="0"/>
-              <a:t>#1</a:t>
-            </a:r>
-            <a:endParaRPr kumimoji="1" lang="ko-KR" altLang="en-US" dirty="0"/>
-          </a:p>
-        </p:txBody>
-      </p:sp>
-      <p:sp>
-        <p:nvSpPr>
-          <p:cNvPr id="8" name="TextBox 7">
-            <a:extLst>
-              <a:ext uri="{FF2B5EF4-FFF2-40B4-BE49-F238E27FC236}">
-                <a16:creationId xmlns:a16="http://schemas.microsoft.com/office/drawing/2014/main" id="{4C94BBE5-2565-6DD2-675F-BD994DABD58E}"/>
-              </a:ext>
-            </a:extLst>
-          </p:cNvPr>
-          <p:cNvSpPr txBox="1"/>
-          <p:nvPr/>
-        </p:nvSpPr>
-        <p:spPr>
-          <a:xfrm>
-            <a:off x="4166332" y="1819760"/>
-            <a:ext cx="1888915" cy="369332"/>
-          </a:xfrm>
-          <a:prstGeom prst="rect">
-            <a:avLst/>
-          </a:prstGeom>
-          <a:noFill/>
-        </p:spPr>
-        <p:txBody>
-          <a:bodyPr wrap="none" rtlCol="0">
-            <a:spAutoFit/>
-          </a:bodyPr>
-          <a:lstStyle/>
-          <a:p>
-            <a:pPr algn="ctr"/>
-            <a:r>
-              <a:rPr kumimoji="1" lang="en-US" altLang="ko-KR" dirty="0"/>
-              <a:t>Pack Scenario</a:t>
-            </a:r>
-            <a:r>
-              <a:rPr kumimoji="1" lang="ko-KR" altLang="en-US" dirty="0"/>
-              <a:t> </a:t>
-            </a:r>
-            <a:r>
-              <a:rPr kumimoji="1" lang="en-US" altLang="ko-KR" dirty="0"/>
-              <a:t>#2</a:t>
-            </a:r>
-            <a:endParaRPr kumimoji="1" lang="ko-KR" altLang="en-US" dirty="0"/>
-          </a:p>
-        </p:txBody>
-      </p:sp>
-      <p:sp>
-        <p:nvSpPr>
-          <p:cNvPr id="9" name="TextBox 8">
-            <a:extLst>
-              <a:ext uri="{FF2B5EF4-FFF2-40B4-BE49-F238E27FC236}">
-                <a16:creationId xmlns:a16="http://schemas.microsoft.com/office/drawing/2014/main" id="{4095FE1F-667B-63BF-74B5-80F9A94C4715}"/>
-              </a:ext>
-            </a:extLst>
-          </p:cNvPr>
-          <p:cNvSpPr txBox="1"/>
-          <p:nvPr/>
-        </p:nvSpPr>
-        <p:spPr>
-          <a:xfrm>
-            <a:off x="7187064" y="1819760"/>
-            <a:ext cx="1888915" cy="369332"/>
-          </a:xfrm>
-          <a:prstGeom prst="rect">
-            <a:avLst/>
-          </a:prstGeom>
-          <a:noFill/>
-        </p:spPr>
-        <p:txBody>
-          <a:bodyPr wrap="none" rtlCol="0">
-            <a:spAutoFit/>
-          </a:bodyPr>
-          <a:lstStyle/>
-          <a:p>
-            <a:pPr algn="ctr"/>
-            <a:r>
-              <a:rPr kumimoji="1" lang="en-US" altLang="ko-KR" dirty="0"/>
-              <a:t>Pack Scenario</a:t>
-            </a:r>
-            <a:r>
-              <a:rPr kumimoji="1" lang="ko-KR" altLang="en-US" dirty="0"/>
-              <a:t> </a:t>
-            </a:r>
-            <a:r>
-              <a:rPr kumimoji="1" lang="en-US" altLang="ko-KR" dirty="0"/>
-              <a:t>#3</a:t>
-            </a:r>
-            <a:endParaRPr kumimoji="1" lang="ko-KR" altLang="en-US" dirty="0"/>
-          </a:p>
-        </p:txBody>
-      </p:sp>
-      <p:sp>
-        <p:nvSpPr>
-          <p:cNvPr id="11" name="TextBox 10">
-            <a:extLst>
-              <a:ext uri="{FF2B5EF4-FFF2-40B4-BE49-F238E27FC236}">
-                <a16:creationId xmlns:a16="http://schemas.microsoft.com/office/drawing/2014/main" id="{2DC38404-8E74-E154-7835-6BA98B3AA1A9}"/>
-              </a:ext>
-            </a:extLst>
-          </p:cNvPr>
-          <p:cNvSpPr txBox="1"/>
-          <p:nvPr/>
-        </p:nvSpPr>
-        <p:spPr>
-          <a:xfrm>
-            <a:off x="719555" y="5775302"/>
-            <a:ext cx="3446777" cy="369332"/>
-          </a:xfrm>
-          <a:prstGeom prst="rect">
-            <a:avLst/>
-          </a:prstGeom>
-          <a:noFill/>
-        </p:spPr>
-        <p:txBody>
-          <a:bodyPr wrap="none" rtlCol="0">
-            <a:spAutoFit/>
-          </a:bodyPr>
-          <a:lstStyle/>
-          <a:p>
-            <a:pPr algn="ctr"/>
-            <a:r>
-              <a:rPr kumimoji="1" lang="en-US" altLang="ko-KR" dirty="0"/>
-              <a:t>Recipe/</a:t>
-            </a:r>
-            <a:r>
-              <a:rPr kumimoji="1" lang="ko-KR" altLang="en-US" dirty="0" err="1"/>
-              <a:t>의뢰건</a:t>
-            </a:r>
-            <a:r>
-              <a:rPr kumimoji="1" lang="ko-KR" altLang="en-US" dirty="0"/>
-              <a:t> 관리 </a:t>
-            </a:r>
-            <a:r>
-              <a:rPr kumimoji="1" lang="en-US" altLang="ko-KR" dirty="0">
-                <a:sym typeface="Wingdings" pitchFamily="2" charset="2"/>
-              </a:rPr>
-              <a:t></a:t>
-            </a:r>
-            <a:r>
-              <a:rPr kumimoji="1" lang="ko-KR" altLang="en-US" dirty="0">
-                <a:sym typeface="Wingdings" pitchFamily="2" charset="2"/>
-              </a:rPr>
-              <a:t> </a:t>
-            </a:r>
-            <a:r>
-              <a:rPr kumimoji="1" lang="en-US" altLang="ko-KR" dirty="0">
-                <a:sym typeface="Wingdings" pitchFamily="2" charset="2"/>
-              </a:rPr>
-              <a:t>Recipe ID</a:t>
-            </a:r>
-            <a:endParaRPr kumimoji="1" lang="ko-KR" altLang="en-US" dirty="0"/>
-          </a:p>
-        </p:txBody>
-      </p:sp>
     </p:spTree>
     <p:extLst>
       <p:ext uri="{BB962C8B-B14F-4D97-AF65-F5344CB8AC3E}">
@@ -11783,36 +12502,6 @@
           </a:p>
         </p:txBody>
       </p:sp>
-      <p:pic>
-        <p:nvPicPr>
-          <p:cNvPr id="3" name="그림 2">
-            <a:extLst>
-              <a:ext uri="{FF2B5EF4-FFF2-40B4-BE49-F238E27FC236}">
-                <a16:creationId xmlns:a16="http://schemas.microsoft.com/office/drawing/2014/main" id="{78245034-EE28-E352-3417-334C83EF5FE4}"/>
-              </a:ext>
-            </a:extLst>
-          </p:cNvPr>
-          <p:cNvPicPr>
-            <a:picLocks noChangeAspect="1"/>
-          </p:cNvPicPr>
-          <p:nvPr/>
-        </p:nvPicPr>
-        <p:blipFill>
-          <a:blip cstate="print"/>
-          <a:stretch>
-            <a:fillRect/>
-          </a:stretch>
-        </p:blipFill>
-        <p:spPr>
-          <a:xfrm>
-            <a:off x="5054975" y="2765208"/>
-            <a:ext cx="943054" cy="1510969"/>
-          </a:xfrm>
-          <a:prstGeom prst="rect">
-            <a:avLst/>
-          </a:prstGeom>
-        </p:spPr>
-      </p:pic>
       <p:sp>
         <p:nvSpPr>
           <p:cNvPr id="4" name="TextBox 3">
@@ -12961,6 +13650,36 @@
           </a:p>
         </p:txBody>
       </p:sp>
+      <p:pic>
+        <p:nvPicPr>
+          <p:cNvPr id="10" name="그림 9">
+            <a:extLst>
+              <a:ext uri="{FF2B5EF4-FFF2-40B4-BE49-F238E27FC236}">
+                <a16:creationId xmlns:a16="http://schemas.microsoft.com/office/drawing/2014/main" id="{2F2A1C2B-7049-EFF2-D079-EE48A010BB7F}"/>
+              </a:ext>
+            </a:extLst>
+          </p:cNvPr>
+          <p:cNvPicPr>
+            <a:picLocks noChangeAspect="1"/>
+          </p:cNvPicPr>
+          <p:nvPr/>
+        </p:nvPicPr>
+        <p:blipFill>
+          <a:blip r:embed="rId2" cstate="print"/>
+          <a:stretch>
+            <a:fillRect/>
+          </a:stretch>
+        </p:blipFill>
+        <p:spPr>
+          <a:xfrm>
+            <a:off x="5314977" y="2961751"/>
+            <a:ext cx="763521" cy="1223320"/>
+          </a:xfrm>
+          <a:prstGeom prst="rect">
+            <a:avLst/>
+          </a:prstGeom>
+        </p:spPr>
+      </p:pic>
     </p:spTree>
     <p:extLst>
       <p:ext uri="{BB962C8B-B14F-4D97-AF65-F5344CB8AC3E}">
@@ -13032,36 +13751,6 @@
           </a:p>
         </p:txBody>
       </p:sp>
-      <p:pic>
-        <p:nvPicPr>
-          <p:cNvPr id="3" name="그림 2">
-            <a:extLst>
-              <a:ext uri="{FF2B5EF4-FFF2-40B4-BE49-F238E27FC236}">
-                <a16:creationId xmlns:a16="http://schemas.microsoft.com/office/drawing/2014/main" id="{78245034-EE28-E352-3417-334C83EF5FE4}"/>
-              </a:ext>
-            </a:extLst>
-          </p:cNvPr>
-          <p:cNvPicPr>
-            <a:picLocks noChangeAspect="1"/>
-          </p:cNvPicPr>
-          <p:nvPr/>
-        </p:nvPicPr>
-        <p:blipFill>
-          <a:blip cstate="print"/>
-          <a:stretch>
-            <a:fillRect/>
-          </a:stretch>
-        </p:blipFill>
-        <p:spPr>
-          <a:xfrm>
-            <a:off x="5054975" y="2765208"/>
-            <a:ext cx="943054" cy="1510969"/>
-          </a:xfrm>
-          <a:prstGeom prst="rect">
-            <a:avLst/>
-          </a:prstGeom>
-        </p:spPr>
-      </p:pic>
       <p:sp>
         <p:nvSpPr>
           <p:cNvPr id="4" name="TextBox 3">
@@ -13929,6 +14618,36 @@
           </a:p>
         </p:txBody>
       </p:sp>
+      <p:pic>
+        <p:nvPicPr>
+          <p:cNvPr id="16" name="그림 15">
+            <a:extLst>
+              <a:ext uri="{FF2B5EF4-FFF2-40B4-BE49-F238E27FC236}">
+                <a16:creationId xmlns:a16="http://schemas.microsoft.com/office/drawing/2014/main" id="{201D8FBC-8E06-DC7E-74DE-FA14F8D26FCB}"/>
+              </a:ext>
+            </a:extLst>
+          </p:cNvPr>
+          <p:cNvPicPr>
+            <a:picLocks noChangeAspect="1"/>
+          </p:cNvPicPr>
+          <p:nvPr/>
+        </p:nvPicPr>
+        <p:blipFill>
+          <a:blip r:embed="rId2" cstate="print"/>
+          <a:stretch>
+            <a:fillRect/>
+          </a:stretch>
+        </p:blipFill>
+        <p:spPr>
+          <a:xfrm>
+            <a:off x="5314977" y="2961751"/>
+            <a:ext cx="763521" cy="1223320"/>
+          </a:xfrm>
+          <a:prstGeom prst="rect">
+            <a:avLst/>
+          </a:prstGeom>
+        </p:spPr>
+      </p:pic>
     </p:spTree>
     <p:extLst>
       <p:ext uri="{BB962C8B-B14F-4D97-AF65-F5344CB8AC3E}">
@@ -14208,11 +14927,23 @@
               <a:buAutoNum type="arabicPeriod"/>
             </a:pPr>
             <a:r>
-              <a:rPr kumimoji="1" lang="en-US" altLang="ko-KR" dirty="0"/>
+              <a:rPr kumimoji="1" lang="en-US" altLang="ko-KR" i="1" dirty="0">
+                <a:solidFill>
+                  <a:schemeClr val="bg1">
+                    <a:lumMod val="50000"/>
+                  </a:schemeClr>
+                </a:solidFill>
+              </a:rPr>
               <a:t>Send Map to </a:t>
             </a:r>
             <a:r>
-              <a:rPr kumimoji="1" lang="ko-KR" altLang="en-US" dirty="0"/>
+              <a:rPr kumimoji="1" lang="ko-KR" altLang="en-US" i="1" dirty="0">
+                <a:solidFill>
+                  <a:schemeClr val="bg1">
+                    <a:lumMod val="50000"/>
+                  </a:schemeClr>
+                </a:solidFill>
+              </a:rPr>
               <a:t>반출입기</a:t>
             </a:r>
             <a:br>
@@ -14431,14 +15162,32 @@
               <a:buAutoNum type="arabicPeriod"/>
             </a:pPr>
             <a:r>
-              <a:rPr kumimoji="1" lang="en-US" altLang="ko-KR" dirty="0"/>
+              <a:rPr kumimoji="1" lang="en-US" altLang="ko-KR" i="1" dirty="0">
+                <a:solidFill>
+                  <a:schemeClr val="bg1">
+                    <a:lumMod val="50000"/>
+                  </a:schemeClr>
+                </a:solidFill>
+              </a:rPr>
               <a:t>Send Map to </a:t>
             </a:r>
             <a:r>
-              <a:rPr kumimoji="1" lang="ko-KR" altLang="en-US" dirty="0"/>
+              <a:rPr kumimoji="1" lang="ko-KR" altLang="en-US" i="1" dirty="0">
+                <a:solidFill>
+                  <a:schemeClr val="bg1">
+                    <a:lumMod val="50000"/>
+                  </a:schemeClr>
+                </a:solidFill>
+              </a:rPr>
               <a:t>분석기</a:t>
             </a:r>
-            <a:endParaRPr kumimoji="1" lang="en-US" altLang="ko-KR" dirty="0"/>
+            <a:endParaRPr kumimoji="1" lang="en-US" altLang="ko-KR" i="1" dirty="0">
+              <a:solidFill>
+                <a:schemeClr val="bg1">
+                  <a:lumMod val="50000"/>
+                </a:schemeClr>
+              </a:solidFill>
+            </a:endParaRPr>
           </a:p>
         </p:txBody>
       </p:sp>
@@ -14650,11 +15399,23 @@
               <a:buAutoNum type="arabicPeriod"/>
             </a:pPr>
             <a:r>
-              <a:rPr kumimoji="1" lang="en-US" altLang="ko-KR" dirty="0"/>
+              <a:rPr kumimoji="1" lang="en-US" altLang="ko-KR" i="1" dirty="0">
+                <a:solidFill>
+                  <a:schemeClr val="bg1">
+                    <a:lumMod val="50000"/>
+                  </a:schemeClr>
+                </a:solidFill>
+              </a:rPr>
               <a:t>Send Map to </a:t>
             </a:r>
             <a:r>
-              <a:rPr kumimoji="1" lang="ko-KR" altLang="en-US" dirty="0"/>
+              <a:rPr kumimoji="1" lang="ko-KR" altLang="en-US" i="1" dirty="0">
+                <a:solidFill>
+                  <a:schemeClr val="bg1">
+                    <a:lumMod val="50000"/>
+                  </a:schemeClr>
+                </a:solidFill>
+              </a:rPr>
               <a:t>반출입기</a:t>
             </a:r>
             <a:br>
@@ -14781,7 +15542,13 @@
               <a:buAutoNum type="arabicPeriod"/>
             </a:pPr>
             <a:r>
-              <a:rPr kumimoji="1" lang="en-US" altLang="ko-KR" dirty="0"/>
+              <a:rPr kumimoji="1" lang="en-US" altLang="ko-KR" i="1" dirty="0">
+                <a:solidFill>
+                  <a:schemeClr val="bg1">
+                    <a:lumMod val="50000"/>
+                  </a:schemeClr>
+                </a:solidFill>
+              </a:rPr>
               <a:t>Send Map to Stocker</a:t>
             </a:r>
           </a:p>
@@ -14801,8 +15568,8 @@
         </p:nvSpPr>
         <p:spPr>
           <a:xfrm>
-            <a:off x="827314" y="1349829"/>
-            <a:ext cx="4114800" cy="1981200"/>
+            <a:off x="827314" y="1643743"/>
+            <a:ext cx="4114800" cy="1687286"/>
           </a:xfrm>
           <a:prstGeom prst="rect">
             <a:avLst/>
@@ -14841,15 +15608,7 @@
                   <a:srgbClr val="FF0000"/>
                 </a:solidFill>
               </a:rPr>
-              <a:t>Pick Type at </a:t>
-            </a:r>
-            <a:r>
-              <a:rPr kumimoji="1" lang="en-US" altLang="ko-KR" dirty="0" err="1">
-                <a:solidFill>
-                  <a:srgbClr val="FF0000"/>
-                </a:solidFill>
-              </a:rPr>
-              <a:t>IOBot</a:t>
+              <a:t>Get</a:t>
             </a:r>
             <a:endParaRPr kumimoji="1" lang="ko-KR" altLang="en-US" dirty="0">
               <a:solidFill>
@@ -14873,8 +15632,8 @@
         </p:nvSpPr>
         <p:spPr>
           <a:xfrm>
-            <a:off x="5279571" y="1349829"/>
-            <a:ext cx="4114800" cy="1981200"/>
+            <a:off x="5279571" y="1643743"/>
+            <a:ext cx="4114800" cy="1687286"/>
           </a:xfrm>
           <a:prstGeom prst="rect">
             <a:avLst/>
@@ -14913,15 +15672,7 @@
                   <a:srgbClr val="FF0000"/>
                 </a:solidFill>
               </a:rPr>
-              <a:t>Pick Type at </a:t>
-            </a:r>
-            <a:r>
-              <a:rPr kumimoji="1" lang="en-US" altLang="ko-KR" dirty="0" err="1">
-                <a:solidFill>
-                  <a:srgbClr val="FF0000"/>
-                </a:solidFill>
-              </a:rPr>
-              <a:t>IOBot</a:t>
+              <a:t>Get</a:t>
             </a:r>
             <a:endParaRPr kumimoji="1" lang="ko-KR" altLang="en-US" dirty="0">
               <a:solidFill>
@@ -14945,8 +15696,8 @@
         </p:nvSpPr>
         <p:spPr>
           <a:xfrm>
-            <a:off x="827314" y="3428999"/>
-            <a:ext cx="4114800" cy="2670813"/>
+            <a:off x="827314" y="4353742"/>
+            <a:ext cx="4114800" cy="1746070"/>
           </a:xfrm>
           <a:prstGeom prst="rect">
             <a:avLst/>
@@ -14985,7 +15736,7 @@
                   <a:srgbClr val="FF0000"/>
                 </a:solidFill>
               </a:rPr>
-              <a:t>Put Type at Analyzer</a:t>
+              <a:t>Put</a:t>
             </a:r>
             <a:endParaRPr kumimoji="1" lang="ko-KR" altLang="en-US" dirty="0">
               <a:solidFill>
@@ -15009,8 +15760,8 @@
         </p:nvSpPr>
         <p:spPr>
           <a:xfrm>
-            <a:off x="5287959" y="3428998"/>
-            <a:ext cx="4114800" cy="2670813"/>
+            <a:off x="5287959" y="3820886"/>
+            <a:ext cx="4114800" cy="2278925"/>
           </a:xfrm>
           <a:prstGeom prst="rect">
             <a:avLst/>
@@ -15049,7 +15800,7 @@
                   <a:srgbClr val="FF0000"/>
                 </a:solidFill>
               </a:rPr>
-              <a:t>Put Type at Stocker</a:t>
+              <a:t>Put</a:t>
             </a:r>
             <a:endParaRPr kumimoji="1" lang="ko-KR" altLang="en-US" dirty="0">
               <a:solidFill>
@@ -15130,36 +15881,6 @@
           </a:p>
         </p:txBody>
       </p:sp>
-      <p:pic>
-        <p:nvPicPr>
-          <p:cNvPr id="3" name="그림 2">
-            <a:extLst>
-              <a:ext uri="{FF2B5EF4-FFF2-40B4-BE49-F238E27FC236}">
-                <a16:creationId xmlns:a16="http://schemas.microsoft.com/office/drawing/2014/main" id="{78245034-EE28-E352-3417-334C83EF5FE4}"/>
-              </a:ext>
-            </a:extLst>
-          </p:cNvPr>
-          <p:cNvPicPr>
-            <a:picLocks noChangeAspect="1"/>
-          </p:cNvPicPr>
-          <p:nvPr/>
-        </p:nvPicPr>
-        <p:blipFill>
-          <a:blip cstate="print"/>
-          <a:stretch>
-            <a:fillRect/>
-          </a:stretch>
-        </p:blipFill>
-        <p:spPr>
-          <a:xfrm>
-            <a:off x="5054975" y="2765208"/>
-            <a:ext cx="943054" cy="1510969"/>
-          </a:xfrm>
-          <a:prstGeom prst="rect">
-            <a:avLst/>
-          </a:prstGeom>
-        </p:spPr>
-      </p:pic>
       <p:sp>
         <p:nvSpPr>
           <p:cNvPr id="4" name="TextBox 3">
@@ -16127,6 +16848,36 @@
           </a:p>
         </p:txBody>
       </p:sp>
+      <p:pic>
+        <p:nvPicPr>
+          <p:cNvPr id="19" name="그림 18">
+            <a:extLst>
+              <a:ext uri="{FF2B5EF4-FFF2-40B4-BE49-F238E27FC236}">
+                <a16:creationId xmlns:a16="http://schemas.microsoft.com/office/drawing/2014/main" id="{0A2D0649-1E13-EF99-3DCB-4BEC3277B8E0}"/>
+              </a:ext>
+            </a:extLst>
+          </p:cNvPr>
+          <p:cNvPicPr>
+            <a:picLocks noChangeAspect="1"/>
+          </p:cNvPicPr>
+          <p:nvPr/>
+        </p:nvPicPr>
+        <p:blipFill>
+          <a:blip r:embed="rId2" cstate="print"/>
+          <a:stretch>
+            <a:fillRect/>
+          </a:stretch>
+        </p:blipFill>
+        <p:spPr>
+          <a:xfrm>
+            <a:off x="5314977" y="2961751"/>
+            <a:ext cx="763521" cy="1223320"/>
+          </a:xfrm>
+          <a:prstGeom prst="rect">
+            <a:avLst/>
+          </a:prstGeom>
+        </p:spPr>
+      </p:pic>
     </p:spTree>
     <p:extLst>
       <p:ext uri="{BB962C8B-B14F-4D97-AF65-F5344CB8AC3E}">
@@ -16396,11 +17147,23 @@
               <a:buAutoNum type="arabicPeriod"/>
             </a:pPr>
             <a:r>
-              <a:rPr kumimoji="1" lang="en-US" altLang="ko-KR" dirty="0"/>
+              <a:rPr kumimoji="1" lang="en-US" altLang="ko-KR" i="1" dirty="0">
+                <a:solidFill>
+                  <a:schemeClr val="bg1">
+                    <a:lumMod val="50000"/>
+                  </a:schemeClr>
+                </a:solidFill>
+              </a:rPr>
               <a:t>Send Map to </a:t>
             </a:r>
             <a:r>
-              <a:rPr kumimoji="1" lang="ko-KR" altLang="en-US" dirty="0"/>
+              <a:rPr kumimoji="1" lang="ko-KR" altLang="en-US" i="1" dirty="0">
+                <a:solidFill>
+                  <a:schemeClr val="bg1">
+                    <a:lumMod val="50000"/>
+                  </a:schemeClr>
+                </a:solidFill>
+              </a:rPr>
               <a:t>분석기</a:t>
             </a:r>
             <a:br>
@@ -16511,7 +17274,13 @@
               <a:buAutoNum type="arabicPeriod"/>
             </a:pPr>
             <a:r>
-              <a:rPr kumimoji="1" lang="en-US" altLang="ko-KR" dirty="0"/>
+              <a:rPr kumimoji="1" lang="en-US" altLang="ko-KR" i="1" dirty="0">
+                <a:solidFill>
+                  <a:schemeClr val="bg1">
+                    <a:lumMod val="50000"/>
+                  </a:schemeClr>
+                </a:solidFill>
+              </a:rPr>
               <a:t>Send Map to Stocker</a:t>
             </a:r>
           </a:p>
@@ -16707,11 +17476,23 @@
               <a:buAutoNum type="arabicPeriod"/>
             </a:pPr>
             <a:r>
-              <a:rPr kumimoji="1" lang="en-US" altLang="ko-KR" dirty="0"/>
+              <a:rPr kumimoji="1" lang="en-US" altLang="ko-KR" i="1" dirty="0">
+                <a:solidFill>
+                  <a:schemeClr val="bg1">
+                    <a:lumMod val="50000"/>
+                  </a:schemeClr>
+                </a:solidFill>
+              </a:rPr>
               <a:t>Send Map to </a:t>
             </a:r>
             <a:r>
-              <a:rPr kumimoji="1" lang="ko-KR" altLang="en-US" dirty="0"/>
+              <a:rPr kumimoji="1" lang="ko-KR" altLang="en-US" i="1" dirty="0">
+                <a:solidFill>
+                  <a:schemeClr val="bg1">
+                    <a:lumMod val="50000"/>
+                  </a:schemeClr>
+                </a:solidFill>
+              </a:rPr>
               <a:t>분석기</a:t>
             </a:r>
             <a:br>
@@ -16861,8 +17642,8 @@
         </p:nvSpPr>
         <p:spPr>
           <a:xfrm>
-            <a:off x="827314" y="1349829"/>
-            <a:ext cx="4114800" cy="1981200"/>
+            <a:off x="827314" y="1621969"/>
+            <a:ext cx="4114800" cy="1709059"/>
           </a:xfrm>
           <a:prstGeom prst="rect">
             <a:avLst/>
@@ -16901,7 +17682,7 @@
                   <a:srgbClr val="FF0000"/>
                 </a:solidFill>
               </a:rPr>
-              <a:t>Pick Type at Analyzer</a:t>
+              <a:t>Get</a:t>
             </a:r>
             <a:endParaRPr kumimoji="1" lang="ko-KR" altLang="en-US" dirty="0">
               <a:solidFill>
@@ -16925,8 +17706,8 @@
         </p:nvSpPr>
         <p:spPr>
           <a:xfrm>
-            <a:off x="5279571" y="1349829"/>
-            <a:ext cx="4114800" cy="1981200"/>
+            <a:off x="5279571" y="1621971"/>
+            <a:ext cx="4114800" cy="1709058"/>
           </a:xfrm>
           <a:prstGeom prst="rect">
             <a:avLst/>
@@ -16965,15 +17746,135 @@
                   <a:srgbClr val="FF0000"/>
                 </a:solidFill>
               </a:rPr>
-              <a:t>Pick Type at </a:t>
-            </a:r>
-            <a:r>
-              <a:rPr kumimoji="1" lang="en-US" altLang="ko-KR" dirty="0" err="1">
+              <a:t>Get</a:t>
+            </a:r>
+            <a:endParaRPr kumimoji="1" lang="ko-KR" altLang="en-US" dirty="0">
+              <a:solidFill>
+                <a:srgbClr val="FF0000"/>
+              </a:solidFill>
+            </a:endParaRPr>
+          </a:p>
+        </p:txBody>
+      </p:sp>
+      <p:sp>
+        <p:nvSpPr>
+          <p:cNvPr id="6" name="직사각형 5">
+            <a:extLst>
+              <a:ext uri="{FF2B5EF4-FFF2-40B4-BE49-F238E27FC236}">
+                <a16:creationId xmlns:a16="http://schemas.microsoft.com/office/drawing/2014/main" id="{77AE1A70-CDD6-2602-CBB7-D5A4B8A8E837}"/>
+              </a:ext>
+            </a:extLst>
+          </p:cNvPr>
+          <p:cNvSpPr/>
+          <p:nvPr/>
+        </p:nvSpPr>
+        <p:spPr>
+          <a:xfrm>
+            <a:off x="827314" y="3828883"/>
+            <a:ext cx="4114800" cy="1709059"/>
+          </a:xfrm>
+          <a:prstGeom prst="rect">
+            <a:avLst/>
+          </a:prstGeom>
+          <a:noFill/>
+          <a:ln>
+            <a:solidFill>
+              <a:srgbClr val="FF0000"/>
+            </a:solidFill>
+          </a:ln>
+        </p:spPr>
+        <p:style>
+          <a:lnRef idx="2">
+            <a:schemeClr val="accent1">
+              <a:shade val="15000"/>
+            </a:schemeClr>
+          </a:lnRef>
+          <a:fillRef idx="1">
+            <a:schemeClr val="accent1"/>
+          </a:fillRef>
+          <a:effectRef idx="0">
+            <a:schemeClr val="accent1"/>
+          </a:effectRef>
+          <a:fontRef idx="minor">
+            <a:schemeClr val="lt1"/>
+          </a:fontRef>
+        </p:style>
+        <p:txBody>
+          <a:bodyPr vert="vert" wrap="none" rtlCol="0" anchor="t"/>
+          <a:lstStyle/>
+          <a:p>
+            <a:pPr algn="ctr"/>
+            <a:r>
+              <a:rPr kumimoji="1" lang="en-US" altLang="ko-KR" dirty="0">
                 <a:solidFill>
                   <a:srgbClr val="FF0000"/>
                 </a:solidFill>
               </a:rPr>
-              <a:t>IOBot</a:t>
+              <a:t>Put</a:t>
+            </a:r>
+            <a:endParaRPr kumimoji="1" lang="ko-KR" altLang="en-US" dirty="0">
+              <a:solidFill>
+                <a:srgbClr val="FF0000"/>
+              </a:solidFill>
+            </a:endParaRPr>
+          </a:p>
+        </p:txBody>
+      </p:sp>
+      <p:sp>
+        <p:nvSpPr>
+          <p:cNvPr id="7" name="직사각형 6">
+            <a:extLst>
+              <a:ext uri="{FF2B5EF4-FFF2-40B4-BE49-F238E27FC236}">
+                <a16:creationId xmlns:a16="http://schemas.microsoft.com/office/drawing/2014/main" id="{6B3FAD26-9E42-AB84-34D0-9C9F74499308}"/>
+              </a:ext>
+            </a:extLst>
+          </p:cNvPr>
+          <p:cNvSpPr/>
+          <p:nvPr/>
+        </p:nvSpPr>
+        <p:spPr>
+          <a:xfrm>
+            <a:off x="5279571" y="3828885"/>
+            <a:ext cx="4114800" cy="1709058"/>
+          </a:xfrm>
+          <a:prstGeom prst="rect">
+            <a:avLst/>
+          </a:prstGeom>
+          <a:noFill/>
+          <a:ln>
+            <a:solidFill>
+              <a:srgbClr val="FF0000"/>
+            </a:solidFill>
+          </a:ln>
+        </p:spPr>
+        <p:style>
+          <a:lnRef idx="2">
+            <a:schemeClr val="accent1">
+              <a:shade val="15000"/>
+            </a:schemeClr>
+          </a:lnRef>
+          <a:fillRef idx="1">
+            <a:schemeClr val="accent1"/>
+          </a:fillRef>
+          <a:effectRef idx="0">
+            <a:schemeClr val="accent1"/>
+          </a:effectRef>
+          <a:fontRef idx="minor">
+            <a:schemeClr val="lt1"/>
+          </a:fontRef>
+        </p:style>
+        <p:txBody>
+          <a:bodyPr vert="vert" wrap="none" rtlCol="0" anchor="t"/>
+          <a:lstStyle/>
+          <a:p>
+            <a:pPr algn="ctr"/>
+            <a:r>
+              <a:rPr kumimoji="1" lang="en-US" altLang="ko-KR" dirty="0">
+                <a:solidFill>
+                  <a:srgbClr val="FF0000"/>
+                </a:solidFill>
+              </a:rPr>
+              <a:t>Put</a:t>
             </a:r>
             <a:endParaRPr kumimoji="1" lang="ko-KR" altLang="en-US" dirty="0">
               <a:solidFill>

--- a/허종원/Dispatcher Scenario.pptx
+++ b/허종원/Dispatcher Scenario.pptx
@@ -231,7 +231,7 @@
             <a:fld id="{B38DDC64-668F-D042-B324-08EA36C7985F}" type="datetimeFigureOut">
               <a:rPr kumimoji="1" lang="ko-KR" altLang="en-US" smtClean="0"/>
               <a:pPr/>
-              <a:t>2024. 8. 2.</a:t>
+              <a:t>2024. 8. 6.</a:t>
             </a:fld>
             <a:endParaRPr kumimoji="1" lang="ko-KR" altLang="en-US"/>
           </a:p>
@@ -866,7 +866,7 @@
           <a:p>
             <a:fld id="{4C02D1D0-8AF1-3E45-93D9-439A94A54636}" type="datetime1">
               <a:rPr kumimoji="1" lang="ko-KR" altLang="en-US" smtClean="0"/>
-              <a:t>2024. 8. 2.</a:t>
+              <a:t>2024. 8. 6.</a:t>
             </a:fld>
             <a:endParaRPr kumimoji="1" lang="ko-KR" altLang="en-US"/>
           </a:p>
@@ -1030,7 +1030,7 @@
           <a:p>
             <a:fld id="{720AD815-E37C-AE42-93B2-164338F0BC3F}" type="datetime1">
               <a:rPr kumimoji="1" lang="ko-KR" altLang="en-US" smtClean="0"/>
-              <a:t>2024. 8. 2.</a:t>
+              <a:t>2024. 8. 6.</a:t>
             </a:fld>
             <a:endParaRPr kumimoji="1" lang="ko-KR" altLang="en-US"/>
           </a:p>
@@ -1474,7 +1474,7 @@
           <a:p>
             <a:fld id="{88B8D1EA-1598-7043-B817-80BCE13AFAD2}" type="datetime1">
               <a:rPr kumimoji="1" lang="ko-KR" altLang="en-US" smtClean="0"/>
-              <a:t>2024. 8. 2.</a:t>
+              <a:t>2024. 8. 6.</a:t>
             </a:fld>
             <a:endParaRPr kumimoji="1" lang="ko-KR" altLang="en-US"/>
           </a:p>
@@ -1660,7 +1660,7 @@
           <a:p>
             <a:fld id="{786698EA-A4F8-7C46-A602-CDCF30245E83}" type="datetime1">
               <a:rPr kumimoji="1" lang="ko-KR" altLang="en-US" smtClean="0"/>
-              <a:t>2024. 8. 2.</a:t>
+              <a:t>2024. 8. 6.</a:t>
             </a:fld>
             <a:endParaRPr kumimoji="1" lang="ko-KR" altLang="en-US"/>
           </a:p>
@@ -1846,7 +1846,7 @@
           <a:p>
             <a:fld id="{DEE90C36-D53C-6E45-965A-C6C77E76656E}" type="datetime1">
               <a:rPr kumimoji="1" lang="ko-KR" altLang="en-US" smtClean="0"/>
-              <a:t>2024. 8. 2.</a:t>
+              <a:t>2024. 8. 6.</a:t>
             </a:fld>
             <a:endParaRPr kumimoji="1" lang="ko-KR" altLang="en-US"/>
           </a:p>
@@ -12516,8 +12516,8 @@
         </p:nvSpPr>
         <p:spPr>
           <a:xfrm>
-            <a:off x="413961" y="1763526"/>
-            <a:ext cx="4641014" cy="3788858"/>
+            <a:off x="413961" y="1555777"/>
+            <a:ext cx="4641014" cy="4204356"/>
           </a:xfrm>
           <a:prstGeom prst="rect">
             <a:avLst/>
@@ -12670,6 +12670,60 @@
               <a:t>로 이동</a:t>
             </a:r>
             <a:endParaRPr kumimoji="1" lang="en-US" altLang="ko-KR" dirty="0"/>
+          </a:p>
+          <a:p>
+            <a:pPr marL="342900" indent="-342900">
+              <a:lnSpc>
+                <a:spcPct val="150000"/>
+              </a:lnSpc>
+              <a:buFont typeface="+mj-lt"/>
+              <a:buAutoNum type="arabicParenR"/>
+            </a:pPr>
+            <a:r>
+              <a:rPr kumimoji="1" lang="ko-KR" altLang="en-US" b="1" dirty="0" err="1">
+                <a:solidFill>
+                  <a:srgbClr val="FF0000"/>
+                </a:solidFill>
+              </a:rPr>
+              <a:t>실병</a:t>
+            </a:r>
+            <a:r>
+              <a:rPr kumimoji="1" lang="ko-KR" altLang="en-US" dirty="0" err="1"/>
+              <a:t>을</a:t>
+            </a:r>
+            <a:r>
+              <a:rPr kumimoji="1" lang="ko-KR" altLang="en-US" dirty="0"/>
+              <a:t> </a:t>
+            </a:r>
+            <a:r>
+              <a:rPr kumimoji="1" lang="en-US" altLang="ko-KR" b="1" dirty="0">
+                <a:solidFill>
+                  <a:srgbClr val="FF0000"/>
+                </a:solidFill>
+              </a:rPr>
+              <a:t>Stocker</a:t>
+            </a:r>
+            <a:r>
+              <a:rPr kumimoji="1" lang="ko-KR" altLang="en-US" dirty="0"/>
+              <a:t>에서 </a:t>
+            </a:r>
+            <a:r>
+              <a:rPr kumimoji="1" lang="ko-KR" altLang="en-US" b="1" dirty="0">
+                <a:solidFill>
+                  <a:srgbClr val="FF0000"/>
+                </a:solidFill>
+              </a:rPr>
+              <a:t>분석기</a:t>
+            </a:r>
+            <a:r>
+              <a:rPr kumimoji="1" lang="ko-KR" altLang="en-US" dirty="0"/>
+              <a:t>로 이동</a:t>
+            </a:r>
+            <a:endParaRPr kumimoji="1" lang="en-US" altLang="ko-KR" b="1" dirty="0">
+              <a:solidFill>
+                <a:srgbClr val="FF0000"/>
+              </a:solidFill>
+            </a:endParaRPr>
           </a:p>
           <a:p>
             <a:pPr marL="342900" indent="-342900">
